--- a/Présentation projet de Génie Logiciel.pptx
+++ b/Présentation projet de Génie Logiciel.pptx
@@ -6,10 +6,14 @@
   </p:sldMasterIdLst>
   <p:sldIdLst>
     <p:sldId id="256" r:id="rId2"/>
-    <p:sldId id="258" r:id="rId3"/>
-    <p:sldId id="259" r:id="rId4"/>
-    <p:sldId id="260" r:id="rId5"/>
-    <p:sldId id="261" r:id="rId6"/>
+    <p:sldId id="262" r:id="rId3"/>
+    <p:sldId id="258" r:id="rId4"/>
+    <p:sldId id="259" r:id="rId5"/>
+    <p:sldId id="260" r:id="rId6"/>
+    <p:sldId id="261" r:id="rId7"/>
+    <p:sldId id="263" r:id="rId8"/>
+    <p:sldId id="264" r:id="rId9"/>
+    <p:sldId id="265" r:id="rId10"/>
   </p:sldIdLst>
   <p:sldSz cx="12192000" cy="6858000"/>
   <p:notesSz cx="6858000" cy="9144000"/>
@@ -108,6 +112,11 @@
       </a:defRPr>
     </a:lvl9pPr>
   </p:defaultTextStyle>
+  <p:extLst>
+    <p:ext uri="{EFAFB233-063F-42B5-8137-9DF3F51BA10A}">
+      <p15:sldGuideLst xmlns:p15="http://schemas.microsoft.com/office/powerpoint/2012/main"/>
+    </p:ext>
+  </p:extLst>
 </p:presentation>
 </file>
 
@@ -6147,12 +6156,6 @@
           <a:p>
             <a:r>
               <a:rPr lang="fr-FR" dirty="0"/>
-              <a:t>Système de gestion de commande de plats</a:t>
-            </a:r>
-          </a:p>
-          <a:p>
-            <a:r>
-              <a:rPr lang="fr-FR" dirty="0"/>
               <a:t>GUILLAUME PERRON, ADRIEN FÉRÉ</a:t>
             </a:r>
             <a:endParaRPr lang="fr-NC" dirty="0"/>
@@ -6173,6 +6176,115 @@
 </file>
 
 <file path=ppt/slides/slide2.xml><?xml version="1.0" encoding="utf-8"?>
+<p:sld xmlns:a="http://schemas.openxmlformats.org/drawingml/2006/main" xmlns:r="http://schemas.openxmlformats.org/officeDocument/2006/relationships" xmlns:p="http://schemas.openxmlformats.org/presentationml/2006/main">
+  <p:cSld>
+    <p:spTree>
+      <p:nvGrpSpPr>
+        <p:cNvPr id="1" name=""/>
+        <p:cNvGrpSpPr/>
+        <p:nvPr/>
+      </p:nvGrpSpPr>
+      <p:grpSpPr>
+        <a:xfrm>
+          <a:off x="0" y="0"/>
+          <a:ext cx="0" cy="0"/>
+          <a:chOff x="0" y="0"/>
+          <a:chExt cx="0" cy="0"/>
+        </a:xfrm>
+      </p:grpSpPr>
+      <p:sp>
+        <p:nvSpPr>
+          <p:cNvPr id="2" name="Titre 1">
+            <a:extLst>
+              <a:ext uri="{FF2B5EF4-FFF2-40B4-BE49-F238E27FC236}">
+                <a16:creationId xmlns:a16="http://schemas.microsoft.com/office/drawing/2014/main" id="{BCE43974-E9C9-CF0D-C3B5-97225F9AFE29}"/>
+              </a:ext>
+            </a:extLst>
+          </p:cNvPr>
+          <p:cNvSpPr>
+            <a:spLocks noGrp="1"/>
+          </p:cNvSpPr>
+          <p:nvPr>
+            <p:ph type="title"/>
+          </p:nvPr>
+        </p:nvSpPr>
+        <p:spPr/>
+        <p:txBody>
+          <a:bodyPr/>
+          <a:lstStyle/>
+          <a:p>
+            <a:r>
+              <a:rPr lang="fr-FR" dirty="0"/>
+              <a:t>CONTEXTE</a:t>
+            </a:r>
+            <a:endParaRPr lang="fr-NC" dirty="0"/>
+          </a:p>
+        </p:txBody>
+      </p:sp>
+      <p:sp>
+        <p:nvSpPr>
+          <p:cNvPr id="3" name="Espace réservé du contenu 2">
+            <a:extLst>
+              <a:ext uri="{FF2B5EF4-FFF2-40B4-BE49-F238E27FC236}">
+                <a16:creationId xmlns:a16="http://schemas.microsoft.com/office/drawing/2014/main" id="{5CB013A8-918F-B7BB-7549-539A4FEB47CD}"/>
+              </a:ext>
+            </a:extLst>
+          </p:cNvPr>
+          <p:cNvSpPr>
+            <a:spLocks noGrp="1"/>
+          </p:cNvSpPr>
+          <p:nvPr>
+            <p:ph idx="1"/>
+          </p:nvPr>
+        </p:nvSpPr>
+        <p:spPr/>
+        <p:txBody>
+          <a:bodyPr/>
+          <a:lstStyle/>
+          <a:p>
+            <a:r>
+              <a:rPr lang="fr-FR" dirty="0"/>
+              <a:t>Application de commande d’un restaurant.</a:t>
+            </a:r>
+          </a:p>
+          <a:p>
+            <a:pPr lvl="1"/>
+            <a:r>
+              <a:rPr lang="fr-FR" dirty="0"/>
+              <a:t>Affichage d’un menu</a:t>
+            </a:r>
+          </a:p>
+          <a:p>
+            <a:pPr lvl="1"/>
+            <a:r>
+              <a:rPr lang="fr-FR" dirty="0"/>
+              <a:t>Création et modification de commandes</a:t>
+            </a:r>
+          </a:p>
+          <a:p>
+            <a:pPr lvl="1"/>
+            <a:r>
+              <a:rPr lang="fr-FR" dirty="0"/>
+              <a:t>Affichage du détail de la commande</a:t>
+            </a:r>
+            <a:endParaRPr lang="fr-NC" dirty="0"/>
+          </a:p>
+        </p:txBody>
+      </p:sp>
+    </p:spTree>
+    <p:extLst>
+      <p:ext uri="{BB962C8B-B14F-4D97-AF65-F5344CB8AC3E}">
+        <p14:creationId xmlns:p14="http://schemas.microsoft.com/office/powerpoint/2010/main" val="1782878754"/>
+      </p:ext>
+    </p:extLst>
+  </p:cSld>
+  <p:clrMapOvr>
+    <a:masterClrMapping/>
+  </p:clrMapOvr>
+</p:sld>
+</file>
+
+<file path=ppt/slides/slide3.xml><?xml version="1.0" encoding="utf-8"?>
 <p:sld xmlns:a="http://schemas.openxmlformats.org/drawingml/2006/main" xmlns:r="http://schemas.openxmlformats.org/officeDocument/2006/relationships" xmlns:p="http://schemas.openxmlformats.org/presentationml/2006/main">
   <p:cSld>
     <p:spTree>
@@ -6265,7 +6377,7 @@
 </p:sld>
 </file>
 
-<file path=ppt/slides/slide3.xml><?xml version="1.0" encoding="utf-8"?>
+<file path=ppt/slides/slide4.xml><?xml version="1.0" encoding="utf-8"?>
 <p:sld xmlns:a="http://schemas.openxmlformats.org/drawingml/2006/main" xmlns:r="http://schemas.openxmlformats.org/officeDocument/2006/relationships" xmlns:p="http://schemas.openxmlformats.org/presentationml/2006/main">
   <p:cSld>
     <p:spTree>
@@ -6371,7 +6483,7 @@
 </p:sld>
 </file>
 
-<file path=ppt/slides/slide4.xml><?xml version="1.0" encoding="utf-8"?>
+<file path=ppt/slides/slide5.xml><?xml version="1.0" encoding="utf-8"?>
 <p:sld xmlns:a="http://schemas.openxmlformats.org/drawingml/2006/main" xmlns:r="http://schemas.openxmlformats.org/officeDocument/2006/relationships" xmlns:p="http://schemas.openxmlformats.org/presentationml/2006/main">
   <p:cSld>
     <p:spTree>
@@ -6490,7 +6602,7 @@
 </p:sld>
 </file>
 
-<file path=ppt/slides/slide5.xml><?xml version="1.0" encoding="utf-8"?>
+<file path=ppt/slides/slide6.xml><?xml version="1.0" encoding="utf-8"?>
 <p:sld xmlns:a="http://schemas.openxmlformats.org/drawingml/2006/main" xmlns:r="http://schemas.openxmlformats.org/officeDocument/2006/relationships" xmlns:p="http://schemas.openxmlformats.org/presentationml/2006/main">
   <p:cSld>
     <p:spTree>
@@ -6572,6 +6684,323 @@
     <p:extLst>
       <p:ext uri="{BB962C8B-B14F-4D97-AF65-F5344CB8AC3E}">
         <p14:creationId xmlns:p14="http://schemas.microsoft.com/office/powerpoint/2010/main" val="2823304637"/>
+      </p:ext>
+    </p:extLst>
+  </p:cSld>
+  <p:clrMapOvr>
+    <a:masterClrMapping/>
+  </p:clrMapOvr>
+</p:sld>
+</file>
+
+<file path=ppt/slides/slide7.xml><?xml version="1.0" encoding="utf-8"?>
+<p:sld xmlns:a="http://schemas.openxmlformats.org/drawingml/2006/main" xmlns:r="http://schemas.openxmlformats.org/officeDocument/2006/relationships" xmlns:p="http://schemas.openxmlformats.org/presentationml/2006/main">
+  <p:cSld>
+    <p:spTree>
+      <p:nvGrpSpPr>
+        <p:cNvPr id="1" name=""/>
+        <p:cNvGrpSpPr/>
+        <p:nvPr/>
+      </p:nvGrpSpPr>
+      <p:grpSpPr>
+        <a:xfrm>
+          <a:off x="0" y="0"/>
+          <a:ext cx="0" cy="0"/>
+          <a:chOff x="0" y="0"/>
+          <a:chExt cx="0" cy="0"/>
+        </a:xfrm>
+      </p:grpSpPr>
+      <p:sp>
+        <p:nvSpPr>
+          <p:cNvPr id="2" name="Titre 1">
+            <a:extLst>
+              <a:ext uri="{FF2B5EF4-FFF2-40B4-BE49-F238E27FC236}">
+                <a16:creationId xmlns:a16="http://schemas.microsoft.com/office/drawing/2014/main" id="{6A20F6DD-23BA-06DD-E286-0B3A5A9B5696}"/>
+              </a:ext>
+            </a:extLst>
+          </p:cNvPr>
+          <p:cNvSpPr>
+            <a:spLocks noGrp="1"/>
+          </p:cNvSpPr>
+          <p:nvPr>
+            <p:ph type="title"/>
+          </p:nvPr>
+        </p:nvSpPr>
+        <p:spPr/>
+        <p:txBody>
+          <a:bodyPr/>
+          <a:lstStyle/>
+          <a:p>
+            <a:r>
+              <a:rPr lang="fr-FR" dirty="0"/>
+              <a:t>Positifs / Négatifs</a:t>
+            </a:r>
+            <a:endParaRPr lang="fr-NC" dirty="0"/>
+          </a:p>
+        </p:txBody>
+      </p:sp>
+      <p:sp>
+        <p:nvSpPr>
+          <p:cNvPr id="3" name="Espace réservé du contenu 2">
+            <a:extLst>
+              <a:ext uri="{FF2B5EF4-FFF2-40B4-BE49-F238E27FC236}">
+                <a16:creationId xmlns:a16="http://schemas.microsoft.com/office/drawing/2014/main" id="{51F835BF-4BDF-3EC8-6D4C-D360E2764423}"/>
+              </a:ext>
+            </a:extLst>
+          </p:cNvPr>
+          <p:cNvSpPr>
+            <a:spLocks noGrp="1"/>
+          </p:cNvSpPr>
+          <p:nvPr>
+            <p:ph idx="1"/>
+          </p:nvPr>
+        </p:nvSpPr>
+        <p:spPr/>
+        <p:txBody>
+          <a:bodyPr/>
+          <a:lstStyle/>
+          <a:p>
+            <a:r>
+              <a:rPr lang="fr-FR" u="sng" dirty="0"/>
+              <a:t>Positifs :</a:t>
+            </a:r>
+          </a:p>
+          <a:p>
+            <a:pPr lvl="1"/>
+            <a:r>
+              <a:rPr lang="fr-FR" dirty="0"/>
+              <a:t>Simplicité du code</a:t>
+            </a:r>
+          </a:p>
+          <a:p>
+            <a:pPr lvl="1"/>
+            <a:r>
+              <a:rPr lang="fr-FR" dirty="0"/>
+              <a:t>Pas de duplication</a:t>
+            </a:r>
+          </a:p>
+          <a:p>
+            <a:r>
+              <a:rPr lang="fr-FR" u="sng" dirty="0"/>
+              <a:t>Négatifs :</a:t>
+            </a:r>
+          </a:p>
+          <a:p>
+            <a:pPr lvl="1"/>
+            <a:r>
+              <a:rPr lang="fr-FR" dirty="0"/>
+              <a:t>+ de fichiers</a:t>
+            </a:r>
+          </a:p>
+          <a:p>
+            <a:pPr lvl="1"/>
+            <a:endParaRPr lang="fr-FR" dirty="0"/>
+          </a:p>
+          <a:p>
+            <a:endParaRPr lang="fr-FR" dirty="0"/>
+          </a:p>
+          <a:p>
+            <a:pPr lvl="1"/>
+            <a:endParaRPr lang="fr-FR" dirty="0"/>
+          </a:p>
+        </p:txBody>
+      </p:sp>
+    </p:spTree>
+    <p:extLst>
+      <p:ext uri="{BB962C8B-B14F-4D97-AF65-F5344CB8AC3E}">
+        <p14:creationId xmlns:p14="http://schemas.microsoft.com/office/powerpoint/2010/main" val="4165329565"/>
+      </p:ext>
+    </p:extLst>
+  </p:cSld>
+  <p:clrMapOvr>
+    <a:masterClrMapping/>
+  </p:clrMapOvr>
+</p:sld>
+</file>
+
+<file path=ppt/slides/slide8.xml><?xml version="1.0" encoding="utf-8"?>
+<p:sld xmlns:a="http://schemas.openxmlformats.org/drawingml/2006/main" xmlns:r="http://schemas.openxmlformats.org/officeDocument/2006/relationships" xmlns:p="http://schemas.openxmlformats.org/presentationml/2006/main">
+  <p:cSld>
+    <p:spTree>
+      <p:nvGrpSpPr>
+        <p:cNvPr id="1" name=""/>
+        <p:cNvGrpSpPr/>
+        <p:nvPr/>
+      </p:nvGrpSpPr>
+      <p:grpSpPr>
+        <a:xfrm>
+          <a:off x="0" y="0"/>
+          <a:ext cx="0" cy="0"/>
+          <a:chOff x="0" y="0"/>
+          <a:chExt cx="0" cy="0"/>
+        </a:xfrm>
+      </p:grpSpPr>
+      <p:sp>
+        <p:nvSpPr>
+          <p:cNvPr id="2" name="Titre 1">
+            <a:extLst>
+              <a:ext uri="{FF2B5EF4-FFF2-40B4-BE49-F238E27FC236}">
+                <a16:creationId xmlns:a16="http://schemas.microsoft.com/office/drawing/2014/main" id="{B99030D0-A7D8-CCB7-554B-40F1D1AA3511}"/>
+              </a:ext>
+            </a:extLst>
+          </p:cNvPr>
+          <p:cNvSpPr>
+            <a:spLocks noGrp="1"/>
+          </p:cNvSpPr>
+          <p:nvPr>
+            <p:ph type="title"/>
+          </p:nvPr>
+        </p:nvSpPr>
+        <p:spPr/>
+        <p:txBody>
+          <a:bodyPr/>
+          <a:lstStyle/>
+          <a:p>
+            <a:r>
+              <a:rPr lang="fr-FR" dirty="0"/>
+              <a:t>CONCLUSION PATTERNS</a:t>
+            </a:r>
+            <a:endParaRPr lang="fr-NC" dirty="0"/>
+          </a:p>
+        </p:txBody>
+      </p:sp>
+      <p:sp>
+        <p:nvSpPr>
+          <p:cNvPr id="3" name="Espace réservé du contenu 2">
+            <a:extLst>
+              <a:ext uri="{FF2B5EF4-FFF2-40B4-BE49-F238E27FC236}">
+                <a16:creationId xmlns:a16="http://schemas.microsoft.com/office/drawing/2014/main" id="{537DE1DF-7941-5E1B-DFBC-5EAA55D5C9AB}"/>
+              </a:ext>
+            </a:extLst>
+          </p:cNvPr>
+          <p:cNvSpPr>
+            <a:spLocks noGrp="1"/>
+          </p:cNvSpPr>
+          <p:nvPr>
+            <p:ph idx="1"/>
+          </p:nvPr>
+        </p:nvSpPr>
+        <p:spPr/>
+        <p:txBody>
+          <a:bodyPr/>
+          <a:lstStyle/>
+          <a:p>
+            <a:r>
+              <a:rPr lang="fr-FR" dirty="0"/>
+              <a:t>Grâce aux patterns, le code est + lisible et + facilement maintenable/améliorable.</a:t>
+            </a:r>
+          </a:p>
+          <a:p>
+            <a:r>
+              <a:rPr lang="fr-FR" dirty="0"/>
+              <a:t>Avec ces patterns, les possibilités d’ajouter des affichages ou des états de commandes différents deviennent illimitées.</a:t>
+            </a:r>
+          </a:p>
+          <a:p>
+            <a:endParaRPr lang="fr-NC" dirty="0"/>
+          </a:p>
+        </p:txBody>
+      </p:sp>
+    </p:spTree>
+    <p:extLst>
+      <p:ext uri="{BB962C8B-B14F-4D97-AF65-F5344CB8AC3E}">
+        <p14:creationId xmlns:p14="http://schemas.microsoft.com/office/powerpoint/2010/main" val="3041941616"/>
+      </p:ext>
+    </p:extLst>
+  </p:cSld>
+  <p:clrMapOvr>
+    <a:masterClrMapping/>
+  </p:clrMapOvr>
+</p:sld>
+</file>
+
+<file path=ppt/slides/slide9.xml><?xml version="1.0" encoding="utf-8"?>
+<p:sld xmlns:a="http://schemas.openxmlformats.org/drawingml/2006/main" xmlns:r="http://schemas.openxmlformats.org/officeDocument/2006/relationships" xmlns:p="http://schemas.openxmlformats.org/presentationml/2006/main">
+  <p:cSld>
+    <p:spTree>
+      <p:nvGrpSpPr>
+        <p:cNvPr id="1" name=""/>
+        <p:cNvGrpSpPr/>
+        <p:nvPr/>
+      </p:nvGrpSpPr>
+      <p:grpSpPr>
+        <a:xfrm>
+          <a:off x="0" y="0"/>
+          <a:ext cx="0" cy="0"/>
+          <a:chOff x="0" y="0"/>
+          <a:chExt cx="0" cy="0"/>
+        </a:xfrm>
+      </p:grpSpPr>
+      <p:sp>
+        <p:nvSpPr>
+          <p:cNvPr id="2" name="Titre 1">
+            <a:extLst>
+              <a:ext uri="{FF2B5EF4-FFF2-40B4-BE49-F238E27FC236}">
+                <a16:creationId xmlns:a16="http://schemas.microsoft.com/office/drawing/2014/main" id="{004CF4BE-D2CD-FC91-E010-DDD7AD257FFC}"/>
+              </a:ext>
+            </a:extLst>
+          </p:cNvPr>
+          <p:cNvSpPr>
+            <a:spLocks noGrp="1"/>
+          </p:cNvSpPr>
+          <p:nvPr>
+            <p:ph type="title"/>
+          </p:nvPr>
+        </p:nvSpPr>
+        <p:spPr/>
+        <p:txBody>
+          <a:bodyPr/>
+          <a:lstStyle/>
+          <a:p>
+            <a:r>
+              <a:rPr lang="fr-FR" dirty="0"/>
+              <a:t>CONCLUSION SEMESTRE</a:t>
+            </a:r>
+            <a:endParaRPr lang="fr-NC" dirty="0"/>
+          </a:p>
+        </p:txBody>
+      </p:sp>
+      <p:sp>
+        <p:nvSpPr>
+          <p:cNvPr id="3" name="Espace réservé du contenu 2">
+            <a:extLst>
+              <a:ext uri="{FF2B5EF4-FFF2-40B4-BE49-F238E27FC236}">
+                <a16:creationId xmlns:a16="http://schemas.microsoft.com/office/drawing/2014/main" id="{A26B3CAE-2AE0-C225-9F78-F5DEE52F4522}"/>
+              </a:ext>
+            </a:extLst>
+          </p:cNvPr>
+          <p:cNvSpPr>
+            <a:spLocks noGrp="1"/>
+          </p:cNvSpPr>
+          <p:nvPr>
+            <p:ph idx="1"/>
+          </p:nvPr>
+        </p:nvSpPr>
+        <p:spPr/>
+        <p:txBody>
+          <a:bodyPr/>
+          <a:lstStyle/>
+          <a:p>
+            <a:r>
+              <a:rPr lang="fr-FR" dirty="0"/>
+              <a:t>On a vu de nouvelles façons de coder à travers les designs patterns, nous permettant d’éviter de faire des algorithmes trop longs et trop complexes. Malgré le nombre de fichiers en plus à créer, les designs patterns nous permettent de mieux nous y retrouver et ainsi coder plus vite, et parfois </a:t>
+            </a:r>
+            <a:r>
+              <a:rPr lang="fr-FR"/>
+              <a:t>même augmentent les </a:t>
+            </a:r>
+            <a:r>
+              <a:rPr lang="fr-FR" dirty="0"/>
+              <a:t>performances des programmes.</a:t>
+            </a:r>
+            <a:endParaRPr lang="fr-NC" dirty="0"/>
+          </a:p>
+        </p:txBody>
+      </p:sp>
+    </p:spTree>
+    <p:extLst>
+      <p:ext uri="{BB962C8B-B14F-4D97-AF65-F5344CB8AC3E}">
+        <p14:creationId xmlns:p14="http://schemas.microsoft.com/office/powerpoint/2010/main" val="2731208726"/>
       </p:ext>
     </p:extLst>
   </p:cSld>

--- a/Présentation projet de Génie Logiciel.pptx
+++ b/Présentation projet de Génie Logiciel.pptx
@@ -1,19 +1,25 @@
 
 <file path=ppt/presentation.xml><?xml version="1.0" encoding="utf-8"?>
-<p:presentation xmlns:a="http://schemas.openxmlformats.org/drawingml/2006/main" xmlns:r="http://schemas.openxmlformats.org/officeDocument/2006/relationships" xmlns:p="http://schemas.openxmlformats.org/presentationml/2006/main" saveSubsetFonts="1">
+<p:presentation xmlns:a="http://schemas.openxmlformats.org/drawingml/2006/main" xmlns:r="http://schemas.openxmlformats.org/officeDocument/2006/relationships" xmlns:p="http://schemas.openxmlformats.org/presentationml/2006/main" showSpecialPlsOnTitleSld="0" saveSubsetFonts="1">
   <p:sldMasterIdLst>
     <p:sldMasterId id="2147483660" r:id="rId1"/>
   </p:sldMasterIdLst>
+  <p:notesMasterIdLst>
+    <p:notesMasterId r:id="rId14"/>
+  </p:notesMasterIdLst>
   <p:sldIdLst>
     <p:sldId id="256" r:id="rId2"/>
     <p:sldId id="262" r:id="rId3"/>
     <p:sldId id="258" r:id="rId4"/>
     <p:sldId id="259" r:id="rId5"/>
-    <p:sldId id="260" r:id="rId6"/>
-    <p:sldId id="261" r:id="rId7"/>
-    <p:sldId id="263" r:id="rId8"/>
-    <p:sldId id="264" r:id="rId9"/>
-    <p:sldId id="265" r:id="rId10"/>
+    <p:sldId id="266" r:id="rId6"/>
+    <p:sldId id="268" r:id="rId7"/>
+    <p:sldId id="260" r:id="rId8"/>
+    <p:sldId id="261" r:id="rId9"/>
+    <p:sldId id="263" r:id="rId10"/>
+    <p:sldId id="267" r:id="rId11"/>
+    <p:sldId id="264" r:id="rId12"/>
+    <p:sldId id="265" r:id="rId13"/>
   </p:sldIdLst>
   <p:sldSz cx="12192000" cy="6858000"/>
   <p:notesSz cx="6858000" cy="9144000"/>
@@ -120,6 +126,355 @@
 </p:presentation>
 </file>
 
+<file path=ppt/notesMasters/notesMaster1.xml><?xml version="1.0" encoding="utf-8"?>
+<p:notesMaster xmlns:a="http://schemas.openxmlformats.org/drawingml/2006/main" xmlns:r="http://schemas.openxmlformats.org/officeDocument/2006/relationships" xmlns:p="http://schemas.openxmlformats.org/presentationml/2006/main">
+  <p:cSld>
+    <p:bg>
+      <p:bgRef idx="1001">
+        <a:schemeClr val="bg1"/>
+      </p:bgRef>
+    </p:bg>
+    <p:spTree>
+      <p:nvGrpSpPr>
+        <p:cNvPr id="1" name=""/>
+        <p:cNvGrpSpPr/>
+        <p:nvPr/>
+      </p:nvGrpSpPr>
+      <p:grpSpPr>
+        <a:xfrm>
+          <a:off x="0" y="0"/>
+          <a:ext cx="0" cy="0"/>
+          <a:chOff x="0" y="0"/>
+          <a:chExt cx="0" cy="0"/>
+        </a:xfrm>
+      </p:grpSpPr>
+      <p:sp>
+        <p:nvSpPr>
+          <p:cNvPr id="2" name="Espace réservé de l'en-tête 1"/>
+          <p:cNvSpPr>
+            <a:spLocks noGrp="1"/>
+          </p:cNvSpPr>
+          <p:nvPr>
+            <p:ph type="hdr" sz="quarter"/>
+          </p:nvPr>
+        </p:nvSpPr>
+        <p:spPr>
+          <a:xfrm>
+            <a:off x="0" y="0"/>
+            <a:ext cx="2971800" cy="458788"/>
+          </a:xfrm>
+          <a:prstGeom prst="rect">
+            <a:avLst/>
+          </a:prstGeom>
+        </p:spPr>
+        <p:txBody>
+          <a:bodyPr vert="horz" lIns="91440" tIns="45720" rIns="91440" bIns="45720" rtlCol="0"/>
+          <a:lstStyle>
+            <a:lvl1pPr algn="l">
+              <a:defRPr sz="1200"/>
+            </a:lvl1pPr>
+          </a:lstStyle>
+          <a:p>
+            <a:endParaRPr lang="fr-FR"/>
+          </a:p>
+        </p:txBody>
+      </p:sp>
+      <p:sp>
+        <p:nvSpPr>
+          <p:cNvPr id="3" name="Espace réservé de la date 2"/>
+          <p:cNvSpPr>
+            <a:spLocks noGrp="1"/>
+          </p:cNvSpPr>
+          <p:nvPr>
+            <p:ph type="dt" idx="1"/>
+          </p:nvPr>
+        </p:nvSpPr>
+        <p:spPr>
+          <a:xfrm>
+            <a:off x="3884613" y="0"/>
+            <a:ext cx="2971800" cy="458788"/>
+          </a:xfrm>
+          <a:prstGeom prst="rect">
+            <a:avLst/>
+          </a:prstGeom>
+        </p:spPr>
+        <p:txBody>
+          <a:bodyPr vert="horz" lIns="91440" tIns="45720" rIns="91440" bIns="45720" rtlCol="0"/>
+          <a:lstStyle>
+            <a:lvl1pPr algn="r">
+              <a:defRPr sz="1200"/>
+            </a:lvl1pPr>
+          </a:lstStyle>
+          <a:p>
+            <a:fld id="{B26DB7BB-747E-4788-9B38-7C544FB73ED3}" type="datetimeFigureOut">
+              <a:rPr lang="fr-FR" smtClean="0"/>
+              <a:t>16/05/2023</a:t>
+            </a:fld>
+            <a:endParaRPr lang="fr-FR"/>
+          </a:p>
+        </p:txBody>
+      </p:sp>
+      <p:sp>
+        <p:nvSpPr>
+          <p:cNvPr id="4" name="Espace réservé de l'image des diapositives 3"/>
+          <p:cNvSpPr>
+            <a:spLocks noGrp="1" noRot="1" noChangeAspect="1"/>
+          </p:cNvSpPr>
+          <p:nvPr>
+            <p:ph type="sldImg" idx="2"/>
+          </p:nvPr>
+        </p:nvSpPr>
+        <p:spPr>
+          <a:xfrm>
+            <a:off x="685800" y="1143000"/>
+            <a:ext cx="5486400" cy="3086100"/>
+          </a:xfrm>
+          <a:prstGeom prst="rect">
+            <a:avLst/>
+          </a:prstGeom>
+          <a:noFill/>
+          <a:ln w="12700">
+            <a:solidFill>
+              <a:prstClr val="black"/>
+            </a:solidFill>
+          </a:ln>
+        </p:spPr>
+        <p:txBody>
+          <a:bodyPr vert="horz" lIns="91440" tIns="45720" rIns="91440" bIns="45720" rtlCol="0" anchor="ctr"/>
+          <a:lstStyle/>
+          <a:p>
+            <a:endParaRPr lang="fr-FR"/>
+          </a:p>
+        </p:txBody>
+      </p:sp>
+      <p:sp>
+        <p:nvSpPr>
+          <p:cNvPr id="5" name="Espace réservé des notes 4"/>
+          <p:cNvSpPr>
+            <a:spLocks noGrp="1"/>
+          </p:cNvSpPr>
+          <p:nvPr>
+            <p:ph type="body" sz="quarter" idx="3"/>
+          </p:nvPr>
+        </p:nvSpPr>
+        <p:spPr>
+          <a:xfrm>
+            <a:off x="685800" y="4400550"/>
+            <a:ext cx="5486400" cy="3600450"/>
+          </a:xfrm>
+          <a:prstGeom prst="rect">
+            <a:avLst/>
+          </a:prstGeom>
+        </p:spPr>
+        <p:txBody>
+          <a:bodyPr vert="horz" lIns="91440" tIns="45720" rIns="91440" bIns="45720" rtlCol="0"/>
+          <a:lstStyle/>
+          <a:p>
+            <a:pPr lvl="0"/>
+            <a:r>
+              <a:rPr lang="fr-FR"/>
+              <a:t>Cliquez pour modifier les styles du texte du masque</a:t>
+            </a:r>
+          </a:p>
+          <a:p>
+            <a:pPr lvl="1"/>
+            <a:r>
+              <a:rPr lang="fr-FR"/>
+              <a:t>Deuxième niveau</a:t>
+            </a:r>
+          </a:p>
+          <a:p>
+            <a:pPr lvl="2"/>
+            <a:r>
+              <a:rPr lang="fr-FR"/>
+              <a:t>Troisième niveau</a:t>
+            </a:r>
+          </a:p>
+          <a:p>
+            <a:pPr lvl="3"/>
+            <a:r>
+              <a:rPr lang="fr-FR"/>
+              <a:t>Quatrième niveau</a:t>
+            </a:r>
+          </a:p>
+          <a:p>
+            <a:pPr lvl="4"/>
+            <a:r>
+              <a:rPr lang="fr-FR"/>
+              <a:t>Cinquième niveau</a:t>
+            </a:r>
+          </a:p>
+        </p:txBody>
+      </p:sp>
+      <p:sp>
+        <p:nvSpPr>
+          <p:cNvPr id="6" name="Espace réservé du pied de page 5"/>
+          <p:cNvSpPr>
+            <a:spLocks noGrp="1"/>
+          </p:cNvSpPr>
+          <p:nvPr>
+            <p:ph type="ftr" sz="quarter" idx="4"/>
+          </p:nvPr>
+        </p:nvSpPr>
+        <p:spPr>
+          <a:xfrm>
+            <a:off x="0" y="8685213"/>
+            <a:ext cx="2971800" cy="458787"/>
+          </a:xfrm>
+          <a:prstGeom prst="rect">
+            <a:avLst/>
+          </a:prstGeom>
+        </p:spPr>
+        <p:txBody>
+          <a:bodyPr vert="horz" lIns="91440" tIns="45720" rIns="91440" bIns="45720" rtlCol="0" anchor="b"/>
+          <a:lstStyle>
+            <a:lvl1pPr algn="l">
+              <a:defRPr sz="1200"/>
+            </a:lvl1pPr>
+          </a:lstStyle>
+          <a:p>
+            <a:endParaRPr lang="fr-FR"/>
+          </a:p>
+        </p:txBody>
+      </p:sp>
+      <p:sp>
+        <p:nvSpPr>
+          <p:cNvPr id="7" name="Espace réservé du numéro de diapositive 6"/>
+          <p:cNvSpPr>
+            <a:spLocks noGrp="1"/>
+          </p:cNvSpPr>
+          <p:nvPr>
+            <p:ph type="sldNum" sz="quarter" idx="5"/>
+          </p:nvPr>
+        </p:nvSpPr>
+        <p:spPr>
+          <a:xfrm>
+            <a:off x="3884613" y="8685213"/>
+            <a:ext cx="2971800" cy="458787"/>
+          </a:xfrm>
+          <a:prstGeom prst="rect">
+            <a:avLst/>
+          </a:prstGeom>
+        </p:spPr>
+        <p:txBody>
+          <a:bodyPr vert="horz" lIns="91440" tIns="45720" rIns="91440" bIns="45720" rtlCol="0" anchor="b"/>
+          <a:lstStyle>
+            <a:lvl1pPr algn="r">
+              <a:defRPr sz="1200"/>
+            </a:lvl1pPr>
+          </a:lstStyle>
+          <a:p>
+            <a:fld id="{B76CEA5D-B078-43C9-9123-ADC1B6337753}" type="slidenum">
+              <a:rPr lang="fr-FR" smtClean="0"/>
+              <a:t>‹N°›</a:t>
+            </a:fld>
+            <a:endParaRPr lang="fr-FR"/>
+          </a:p>
+        </p:txBody>
+      </p:sp>
+    </p:spTree>
+    <p:extLst>
+      <p:ext uri="{BB962C8B-B14F-4D97-AF65-F5344CB8AC3E}">
+        <p14:creationId xmlns:p14="http://schemas.microsoft.com/office/powerpoint/2010/main" val="1647116362"/>
+      </p:ext>
+    </p:extLst>
+  </p:cSld>
+  <p:clrMap bg1="lt1" tx1="dk1" bg2="lt2" tx2="dk2" accent1="accent1" accent2="accent2" accent3="accent3" accent4="accent4" accent5="accent5" accent6="accent6" hlink="hlink" folHlink="folHlink"/>
+  <p:notesStyle>
+    <a:lvl1pPr marL="0" algn="l" defTabSz="914400" rtl="0" eaLnBrk="1" latinLnBrk="0" hangingPunct="1">
+      <a:defRPr sz="1200" kern="1200">
+        <a:solidFill>
+          <a:schemeClr val="tx1"/>
+        </a:solidFill>
+        <a:latin typeface="+mn-lt"/>
+        <a:ea typeface="+mn-ea"/>
+        <a:cs typeface="+mn-cs"/>
+      </a:defRPr>
+    </a:lvl1pPr>
+    <a:lvl2pPr marL="457200" algn="l" defTabSz="914400" rtl="0" eaLnBrk="1" latinLnBrk="0" hangingPunct="1">
+      <a:defRPr sz="1200" kern="1200">
+        <a:solidFill>
+          <a:schemeClr val="tx1"/>
+        </a:solidFill>
+        <a:latin typeface="+mn-lt"/>
+        <a:ea typeface="+mn-ea"/>
+        <a:cs typeface="+mn-cs"/>
+      </a:defRPr>
+    </a:lvl2pPr>
+    <a:lvl3pPr marL="914400" algn="l" defTabSz="914400" rtl="0" eaLnBrk="1" latinLnBrk="0" hangingPunct="1">
+      <a:defRPr sz="1200" kern="1200">
+        <a:solidFill>
+          <a:schemeClr val="tx1"/>
+        </a:solidFill>
+        <a:latin typeface="+mn-lt"/>
+        <a:ea typeface="+mn-ea"/>
+        <a:cs typeface="+mn-cs"/>
+      </a:defRPr>
+    </a:lvl3pPr>
+    <a:lvl4pPr marL="1371600" algn="l" defTabSz="914400" rtl="0" eaLnBrk="1" latinLnBrk="0" hangingPunct="1">
+      <a:defRPr sz="1200" kern="1200">
+        <a:solidFill>
+          <a:schemeClr val="tx1"/>
+        </a:solidFill>
+        <a:latin typeface="+mn-lt"/>
+        <a:ea typeface="+mn-ea"/>
+        <a:cs typeface="+mn-cs"/>
+      </a:defRPr>
+    </a:lvl4pPr>
+    <a:lvl5pPr marL="1828800" algn="l" defTabSz="914400" rtl="0" eaLnBrk="1" latinLnBrk="0" hangingPunct="1">
+      <a:defRPr sz="1200" kern="1200">
+        <a:solidFill>
+          <a:schemeClr val="tx1"/>
+        </a:solidFill>
+        <a:latin typeface="+mn-lt"/>
+        <a:ea typeface="+mn-ea"/>
+        <a:cs typeface="+mn-cs"/>
+      </a:defRPr>
+    </a:lvl5pPr>
+    <a:lvl6pPr marL="2286000" algn="l" defTabSz="914400" rtl="0" eaLnBrk="1" latinLnBrk="0" hangingPunct="1">
+      <a:defRPr sz="1200" kern="1200">
+        <a:solidFill>
+          <a:schemeClr val="tx1"/>
+        </a:solidFill>
+        <a:latin typeface="+mn-lt"/>
+        <a:ea typeface="+mn-ea"/>
+        <a:cs typeface="+mn-cs"/>
+      </a:defRPr>
+    </a:lvl6pPr>
+    <a:lvl7pPr marL="2743200" algn="l" defTabSz="914400" rtl="0" eaLnBrk="1" latinLnBrk="0" hangingPunct="1">
+      <a:defRPr sz="1200" kern="1200">
+        <a:solidFill>
+          <a:schemeClr val="tx1"/>
+        </a:solidFill>
+        <a:latin typeface="+mn-lt"/>
+        <a:ea typeface="+mn-ea"/>
+        <a:cs typeface="+mn-cs"/>
+      </a:defRPr>
+    </a:lvl7pPr>
+    <a:lvl8pPr marL="3200400" algn="l" defTabSz="914400" rtl="0" eaLnBrk="1" latinLnBrk="0" hangingPunct="1">
+      <a:defRPr sz="1200" kern="1200">
+        <a:solidFill>
+          <a:schemeClr val="tx1"/>
+        </a:solidFill>
+        <a:latin typeface="+mn-lt"/>
+        <a:ea typeface="+mn-ea"/>
+        <a:cs typeface="+mn-cs"/>
+      </a:defRPr>
+    </a:lvl8pPr>
+    <a:lvl9pPr marL="3657600" algn="l" defTabSz="914400" rtl="0" eaLnBrk="1" latinLnBrk="0" hangingPunct="1">
+      <a:defRPr sz="1200" kern="1200">
+        <a:solidFill>
+          <a:schemeClr val="tx1"/>
+        </a:solidFill>
+        <a:latin typeface="+mn-lt"/>
+        <a:ea typeface="+mn-ea"/>
+        <a:cs typeface="+mn-cs"/>
+      </a:defRPr>
+    </a:lvl9pPr>
+  </p:notesStyle>
+</p:notesMaster>
+</file>
+
 <file path=ppt/slideLayouts/slideLayout1.xml><?xml version="1.0" encoding="utf-8"?>
 <p:sldLayout xmlns:a="http://schemas.openxmlformats.org/drawingml/2006/main" xmlns:r="http://schemas.openxmlformats.org/officeDocument/2006/relationships" xmlns:p="http://schemas.openxmlformats.org/presentationml/2006/main" type="title" preserve="1">
   <p:cSld name="Diapositive de titre">
@@ -304,9 +659,9 @@
           <a:bodyPr/>
           <a:lstStyle/>
           <a:p>
-            <a:fld id="{2BAC18CA-762A-4258-85A3-CFAC79B0ADB1}" type="datetimeFigureOut">
+            <a:fld id="{F9F3B0E9-7023-43A2-9051-696C606671D8}" type="datetime1">
               <a:rPr lang="fr-NC" smtClean="0"/>
-              <a:t>09/05/2023</a:t>
+              <a:t>16/05/2023</a:t>
             </a:fld>
             <a:endParaRPr lang="fr-NC"/>
           </a:p>
@@ -579,9 +934,9 @@
           <a:bodyPr/>
           <a:lstStyle/>
           <a:p>
-            <a:fld id="{2BAC18CA-762A-4258-85A3-CFAC79B0ADB1}" type="datetimeFigureOut">
+            <a:fld id="{8532E6A1-C095-4501-B484-ACF2FDB9125C}" type="datetime1">
               <a:rPr lang="fr-NC" smtClean="0"/>
-              <a:t>09/05/2023</a:t>
+              <a:t>16/05/2023</a:t>
             </a:fld>
             <a:endParaRPr lang="fr-NC"/>
           </a:p>
@@ -773,9 +1128,9 @@
           <a:bodyPr/>
           <a:lstStyle/>
           <a:p>
-            <a:fld id="{2BAC18CA-762A-4258-85A3-CFAC79B0ADB1}" type="datetimeFigureOut">
+            <a:fld id="{1BE03FF8-326A-4DFE-AF5C-1EFA8F92BDBD}" type="datetime1">
               <a:rPr lang="fr-NC" smtClean="0"/>
-              <a:t>09/05/2023</a:t>
+              <a:t>16/05/2023</a:t>
             </a:fld>
             <a:endParaRPr lang="fr-NC"/>
           </a:p>
@@ -1046,9 +1401,9 @@
           <a:bodyPr/>
           <a:lstStyle/>
           <a:p>
-            <a:fld id="{2BAC18CA-762A-4258-85A3-CFAC79B0ADB1}" type="datetimeFigureOut">
+            <a:fld id="{705F9EEB-6DF9-4302-8C1B-28B4B4DAB662}" type="datetime1">
               <a:rPr lang="fr-NC" smtClean="0"/>
-              <a:t>09/05/2023</a:t>
+              <a:t>16/05/2023</a:t>
             </a:fld>
             <a:endParaRPr lang="fr-NC"/>
           </a:p>
@@ -1387,9 +1742,9 @@
           <a:bodyPr/>
           <a:lstStyle/>
           <a:p>
-            <a:fld id="{2BAC18CA-762A-4258-85A3-CFAC79B0ADB1}" type="datetimeFigureOut">
+            <a:fld id="{0DFCE03B-E9A2-4D86-9282-82F1208DAB41}" type="datetime1">
               <a:rPr lang="fr-NC" smtClean="0"/>
-              <a:t>09/05/2023</a:t>
+              <a:t>16/05/2023</a:t>
             </a:fld>
             <a:endParaRPr lang="fr-NC"/>
           </a:p>
@@ -2010,9 +2365,9 @@
           <a:bodyPr/>
           <a:lstStyle/>
           <a:p>
-            <a:fld id="{2BAC18CA-762A-4258-85A3-CFAC79B0ADB1}" type="datetimeFigureOut">
+            <a:fld id="{7531D4E0-6027-440F-AB99-FFC895963AD1}" type="datetime1">
               <a:rPr lang="fr-NC" smtClean="0"/>
-              <a:t>09/05/2023</a:t>
+              <a:t>16/05/2023</a:t>
             </a:fld>
             <a:endParaRPr lang="fr-NC"/>
           </a:p>
@@ -2870,9 +3225,9 @@
           <a:bodyPr/>
           <a:lstStyle/>
           <a:p>
-            <a:fld id="{2BAC18CA-762A-4258-85A3-CFAC79B0ADB1}" type="datetimeFigureOut">
+            <a:fld id="{D6015990-3FC9-443F-A60B-F235356C9238}" type="datetime1">
               <a:rPr lang="fr-NC" smtClean="0"/>
-              <a:t>09/05/2023</a:t>
+              <a:t>16/05/2023</a:t>
             </a:fld>
             <a:endParaRPr lang="fr-NC"/>
           </a:p>
@@ -3040,9 +3395,9 @@
           <a:bodyPr/>
           <a:lstStyle/>
           <a:p>
-            <a:fld id="{2BAC18CA-762A-4258-85A3-CFAC79B0ADB1}" type="datetimeFigureOut">
+            <a:fld id="{E46F0705-312D-4F98-9227-EC804E0D6B76}" type="datetime1">
               <a:rPr lang="fr-NC" smtClean="0"/>
-              <a:t>09/05/2023</a:t>
+              <a:t>16/05/2023</a:t>
             </a:fld>
             <a:endParaRPr lang="fr-NC"/>
           </a:p>
@@ -3220,9 +3575,9 @@
           <a:bodyPr/>
           <a:lstStyle/>
           <a:p>
-            <a:fld id="{2BAC18CA-762A-4258-85A3-CFAC79B0ADB1}" type="datetimeFigureOut">
+            <a:fld id="{1A548BA0-80CF-48BA-ACE8-E9DE3F0856F8}" type="datetime1">
               <a:rPr lang="fr-NC" smtClean="0"/>
-              <a:t>09/05/2023</a:t>
+              <a:t>16/05/2023</a:t>
             </a:fld>
             <a:endParaRPr lang="fr-NC"/>
           </a:p>
@@ -3390,9 +3745,9 @@
           <a:bodyPr/>
           <a:lstStyle/>
           <a:p>
-            <a:fld id="{2BAC18CA-762A-4258-85A3-CFAC79B0ADB1}" type="datetimeFigureOut">
+            <a:fld id="{3E22D18A-191C-4420-A1CC-FD67CFD7A025}" type="datetime1">
               <a:rPr lang="fr-NC" smtClean="0"/>
-              <a:t>09/05/2023</a:t>
+              <a:t>16/05/2023</a:t>
             </a:fld>
             <a:endParaRPr lang="fr-NC"/>
           </a:p>
@@ -3637,9 +3992,9 @@
           <a:bodyPr/>
           <a:lstStyle/>
           <a:p>
-            <a:fld id="{2BAC18CA-762A-4258-85A3-CFAC79B0ADB1}" type="datetimeFigureOut">
+            <a:fld id="{3F82F9A0-0160-425E-8274-7477423682A2}" type="datetime1">
               <a:rPr lang="fr-NC" smtClean="0"/>
-              <a:t>09/05/2023</a:t>
+              <a:t>16/05/2023</a:t>
             </a:fld>
             <a:endParaRPr lang="fr-NC"/>
           </a:p>
@@ -3929,9 +4284,9 @@
           <a:bodyPr/>
           <a:lstStyle/>
           <a:p>
-            <a:fld id="{2BAC18CA-762A-4258-85A3-CFAC79B0ADB1}" type="datetimeFigureOut">
+            <a:fld id="{2C2924CE-25A1-47FE-BC54-AA400C3D25D9}" type="datetime1">
               <a:rPr lang="fr-NC" smtClean="0"/>
-              <a:t>09/05/2023</a:t>
+              <a:t>16/05/2023</a:t>
             </a:fld>
             <a:endParaRPr lang="fr-NC"/>
           </a:p>
@@ -4373,9 +4728,9 @@
           <a:bodyPr/>
           <a:lstStyle/>
           <a:p>
-            <a:fld id="{2BAC18CA-762A-4258-85A3-CFAC79B0ADB1}" type="datetimeFigureOut">
+            <a:fld id="{D9913CFB-54DD-4853-94DB-6E07F81D2BA7}" type="datetime1">
               <a:rPr lang="fr-NC" smtClean="0"/>
-              <a:t>09/05/2023</a:t>
+              <a:t>16/05/2023</a:t>
             </a:fld>
             <a:endParaRPr lang="fr-NC"/>
           </a:p>
@@ -4491,9 +4846,9 @@
           <a:bodyPr/>
           <a:lstStyle/>
           <a:p>
-            <a:fld id="{2BAC18CA-762A-4258-85A3-CFAC79B0ADB1}" type="datetimeFigureOut">
+            <a:fld id="{64543B60-17ED-43C3-9B6C-2C5817F5C547}" type="datetime1">
               <a:rPr lang="fr-NC" smtClean="0"/>
-              <a:t>09/05/2023</a:t>
+              <a:t>16/05/2023</a:t>
             </a:fld>
             <a:endParaRPr lang="fr-NC"/>
           </a:p>
@@ -4586,9 +4941,9 @@
           <a:bodyPr/>
           <a:lstStyle/>
           <a:p>
-            <a:fld id="{2BAC18CA-762A-4258-85A3-CFAC79B0ADB1}" type="datetimeFigureOut">
+            <a:fld id="{EFC75D4A-73B8-44CA-961C-35DE9B38D87C}" type="datetime1">
               <a:rPr lang="fr-NC" smtClean="0"/>
-              <a:t>09/05/2023</a:t>
+              <a:t>16/05/2023</a:t>
             </a:fld>
             <a:endParaRPr lang="fr-NC"/>
           </a:p>
@@ -4865,9 +5220,9 @@
           <a:bodyPr/>
           <a:lstStyle/>
           <a:p>
-            <a:fld id="{2BAC18CA-762A-4258-85A3-CFAC79B0ADB1}" type="datetimeFigureOut">
+            <a:fld id="{72889678-EF5B-4D96-9957-099BDE8DAB63}" type="datetime1">
               <a:rPr lang="fr-NC" smtClean="0"/>
-              <a:t>09/05/2023</a:t>
+              <a:t>16/05/2023</a:t>
             </a:fld>
             <a:endParaRPr lang="fr-NC"/>
           </a:p>
@@ -5140,9 +5495,9 @@
           <a:bodyPr/>
           <a:lstStyle/>
           <a:p>
-            <a:fld id="{2BAC18CA-762A-4258-85A3-CFAC79B0ADB1}" type="datetimeFigureOut">
+            <a:fld id="{C1CDEB7D-4DAA-45E4-B052-36C2E56850D3}" type="datetime1">
               <a:rPr lang="fr-NC" smtClean="0"/>
-              <a:t>09/05/2023</a:t>
+              <a:t>16/05/2023</a:t>
             </a:fld>
             <a:endParaRPr lang="fr-NC"/>
           </a:p>
@@ -5569,9 +5924,9 @@
             </a:lvl1pPr>
           </a:lstStyle>
           <a:p>
-            <a:fld id="{2BAC18CA-762A-4258-85A3-CFAC79B0ADB1}" type="datetimeFigureOut">
+            <a:fld id="{8550D542-02D6-4F90-B0EE-58D26A10E9B5}" type="datetime1">
               <a:rPr lang="fr-NC" smtClean="0"/>
-              <a:t>09/05/2023</a:t>
+              <a:t>16/05/2023</a:t>
             </a:fld>
             <a:endParaRPr lang="fr-NC"/>
           </a:p>
@@ -5683,6 +6038,7 @@
     <p:sldLayoutId id="2147483676" r:id="rId16"/>
     <p:sldLayoutId id="2147483677" r:id="rId17"/>
   </p:sldLayoutIdLst>
+  <p:hf hdr="0" ftr="0" dt="0"/>
   <p:txStyles>
     <p:titleStyle>
       <a:lvl1pPr algn="l" defTabSz="457200" rtl="0" eaLnBrk="1" latinLnBrk="0" hangingPunct="1">
@@ -6175,6 +6531,475 @@
 </p:sld>
 </file>
 
+<file path=ppt/slides/slide10.xml><?xml version="1.0" encoding="utf-8"?>
+<p:sld xmlns:a="http://schemas.openxmlformats.org/drawingml/2006/main" xmlns:r="http://schemas.openxmlformats.org/officeDocument/2006/relationships" xmlns:p="http://schemas.openxmlformats.org/presentationml/2006/main">
+  <p:cSld>
+    <p:spTree>
+      <p:nvGrpSpPr>
+        <p:cNvPr id="1" name=""/>
+        <p:cNvGrpSpPr/>
+        <p:nvPr/>
+      </p:nvGrpSpPr>
+      <p:grpSpPr>
+        <a:xfrm>
+          <a:off x="0" y="0"/>
+          <a:ext cx="0" cy="0"/>
+          <a:chOff x="0" y="0"/>
+          <a:chExt cx="0" cy="0"/>
+        </a:xfrm>
+      </p:grpSpPr>
+      <p:sp>
+        <p:nvSpPr>
+          <p:cNvPr id="2" name="Titre 1">
+            <a:extLst>
+              <a:ext uri="{FF2B5EF4-FFF2-40B4-BE49-F238E27FC236}">
+                <a16:creationId xmlns:a16="http://schemas.microsoft.com/office/drawing/2014/main" id="{6A20F6DD-23BA-06DD-E286-0B3A5A9B5696}"/>
+              </a:ext>
+            </a:extLst>
+          </p:cNvPr>
+          <p:cNvSpPr>
+            <a:spLocks noGrp="1"/>
+          </p:cNvSpPr>
+          <p:nvPr>
+            <p:ph type="title"/>
+          </p:nvPr>
+        </p:nvSpPr>
+        <p:spPr/>
+        <p:txBody>
+          <a:bodyPr/>
+          <a:lstStyle/>
+          <a:p>
+            <a:r>
+              <a:rPr lang="fr-FR" dirty="0"/>
+              <a:t>Pattern State</a:t>
+            </a:r>
+            <a:endParaRPr lang="fr-NC" dirty="0"/>
+          </a:p>
+        </p:txBody>
+      </p:sp>
+      <p:sp>
+        <p:nvSpPr>
+          <p:cNvPr id="5" name="Espace réservé du numéro de diapositive 4">
+            <a:extLst>
+              <a:ext uri="{FF2B5EF4-FFF2-40B4-BE49-F238E27FC236}">
+                <a16:creationId xmlns:a16="http://schemas.microsoft.com/office/drawing/2014/main" id="{51125087-239B-2D0D-F285-22A177A20934}"/>
+              </a:ext>
+            </a:extLst>
+          </p:cNvPr>
+          <p:cNvSpPr>
+            <a:spLocks noGrp="1"/>
+          </p:cNvSpPr>
+          <p:nvPr>
+            <p:ph type="sldNum" sz="quarter" idx="12"/>
+          </p:nvPr>
+        </p:nvSpPr>
+        <p:spPr/>
+        <p:txBody>
+          <a:bodyPr/>
+          <a:lstStyle/>
+          <a:p>
+            <a:fld id="{6BE057CB-9EC3-4CA1-805D-2D0EB6FF12F6}" type="slidenum">
+              <a:rPr lang="fr-NC" smtClean="0"/>
+              <a:t>10</a:t>
+            </a:fld>
+            <a:endParaRPr lang="fr-NC"/>
+          </a:p>
+        </p:txBody>
+      </p:sp>
+      <p:graphicFrame>
+        <p:nvGraphicFramePr>
+          <p:cNvPr id="8" name="Tableau 8">
+            <a:extLst>
+              <a:ext uri="{FF2B5EF4-FFF2-40B4-BE49-F238E27FC236}">
+                <a16:creationId xmlns:a16="http://schemas.microsoft.com/office/drawing/2014/main" id="{DF69EB88-7873-9BD8-F54B-DF09780535A1}"/>
+              </a:ext>
+            </a:extLst>
+          </p:cNvPr>
+          <p:cNvGraphicFramePr>
+            <a:graphicFrameLocks noGrp="1"/>
+          </p:cNvGraphicFramePr>
+          <p:nvPr>
+            <p:ph idx="1"/>
+            <p:extLst>
+              <p:ext uri="{D42A27DB-BD31-4B8C-83A1-F6EECF244321}">
+                <p14:modId xmlns:p14="http://schemas.microsoft.com/office/powerpoint/2010/main" val="712486252"/>
+              </p:ext>
+            </p:extLst>
+          </p:nvPr>
+        </p:nvGraphicFramePr>
+        <p:xfrm>
+          <a:off x="1103313" y="2052638"/>
+          <a:ext cx="8947150" cy="1833880"/>
+        </p:xfrm>
+        <a:graphic>
+          <a:graphicData uri="http://schemas.openxmlformats.org/drawingml/2006/table">
+            <a:tbl>
+              <a:tblPr firstRow="1" bandRow="1">
+                <a:tableStyleId>{5C22544A-7EE6-4342-B048-85BDC9FD1C3A}</a:tableStyleId>
+              </a:tblPr>
+              <a:tblGrid>
+                <a:gridCol w="4473575">
+                  <a:extLst>
+                    <a:ext uri="{9D8B030D-6E8A-4147-A177-3AD203B41FA5}">
+                      <a16:colId xmlns:a16="http://schemas.microsoft.com/office/drawing/2014/main" val="549850597"/>
+                    </a:ext>
+                  </a:extLst>
+                </a:gridCol>
+                <a:gridCol w="4473575">
+                  <a:extLst>
+                    <a:ext uri="{9D8B030D-6E8A-4147-A177-3AD203B41FA5}">
+                      <a16:colId xmlns:a16="http://schemas.microsoft.com/office/drawing/2014/main" val="2822659848"/>
+                    </a:ext>
+                  </a:extLst>
+                </a:gridCol>
+              </a:tblGrid>
+              <a:tr h="370840">
+                <a:tc>
+                  <a:txBody>
+                    <a:bodyPr/>
+                    <a:lstStyle/>
+                    <a:p>
+                      <a:r>
+                        <a:rPr lang="fr-FR" dirty="0"/>
+                        <a:t>Avantages</a:t>
+                      </a:r>
+                    </a:p>
+                  </a:txBody>
+                  <a:tcPr/>
+                </a:tc>
+                <a:tc>
+                  <a:txBody>
+                    <a:bodyPr/>
+                    <a:lstStyle/>
+                    <a:p>
+                      <a:r>
+                        <a:rPr lang="fr-FR" dirty="0"/>
+                        <a:t>Inconvénient</a:t>
+                      </a:r>
+                    </a:p>
+                  </a:txBody>
+                  <a:tcPr/>
+                </a:tc>
+                <a:extLst>
+                  <a:ext uri="{0D108BD9-81ED-4DB2-BD59-A6C34878D82A}">
+                    <a16:rowId xmlns:a16="http://schemas.microsoft.com/office/drawing/2014/main" val="2524267348"/>
+                  </a:ext>
+                </a:extLst>
+              </a:tr>
+              <a:tr h="370840">
+                <a:tc>
+                  <a:txBody>
+                    <a:bodyPr/>
+                    <a:lstStyle/>
+                    <a:p>
+                      <a:pPr marL="285750" indent="-285750">
+                        <a:buFontTx/>
+                        <a:buChar char="-"/>
+                      </a:pPr>
+                      <a:r>
+                        <a:rPr lang="fr-FR" dirty="0"/>
+                        <a:t>Ajout d’état avec des contraintes spécifiques sans modifications des fichiers existant</a:t>
+                      </a:r>
+                    </a:p>
+                    <a:p>
+                      <a:pPr marL="285750" indent="-285750">
+                        <a:buFontTx/>
+                        <a:buChar char="-"/>
+                      </a:pPr>
+                      <a:r>
+                        <a:rPr lang="fr-FR" dirty="0"/>
+                        <a:t>Meilleur lisibilité et compréhension des différents états</a:t>
+                      </a:r>
+                    </a:p>
+                  </a:txBody>
+                  <a:tcPr/>
+                </a:tc>
+                <a:tc>
+                  <a:txBody>
+                    <a:bodyPr/>
+                    <a:lstStyle/>
+                    <a:p>
+                      <a:r>
+                        <a:rPr lang="fr-FR" dirty="0"/>
+                        <a:t>- Multitude de fichiers</a:t>
+                      </a:r>
+                    </a:p>
+                  </a:txBody>
+                  <a:tcPr/>
+                </a:tc>
+                <a:extLst>
+                  <a:ext uri="{0D108BD9-81ED-4DB2-BD59-A6C34878D82A}">
+                    <a16:rowId xmlns:a16="http://schemas.microsoft.com/office/drawing/2014/main" val="3295317817"/>
+                  </a:ext>
+                </a:extLst>
+              </a:tr>
+            </a:tbl>
+          </a:graphicData>
+        </a:graphic>
+      </p:graphicFrame>
+    </p:spTree>
+    <p:extLst>
+      <p:ext uri="{BB962C8B-B14F-4D97-AF65-F5344CB8AC3E}">
+        <p14:creationId xmlns:p14="http://schemas.microsoft.com/office/powerpoint/2010/main" val="3289213677"/>
+      </p:ext>
+    </p:extLst>
+  </p:cSld>
+  <p:clrMapOvr>
+    <a:masterClrMapping/>
+  </p:clrMapOvr>
+</p:sld>
+</file>
+
+<file path=ppt/slides/slide11.xml><?xml version="1.0" encoding="utf-8"?>
+<p:sld xmlns:a="http://schemas.openxmlformats.org/drawingml/2006/main" xmlns:r="http://schemas.openxmlformats.org/officeDocument/2006/relationships" xmlns:p="http://schemas.openxmlformats.org/presentationml/2006/main">
+  <p:cSld>
+    <p:spTree>
+      <p:nvGrpSpPr>
+        <p:cNvPr id="1" name=""/>
+        <p:cNvGrpSpPr/>
+        <p:nvPr/>
+      </p:nvGrpSpPr>
+      <p:grpSpPr>
+        <a:xfrm>
+          <a:off x="0" y="0"/>
+          <a:ext cx="0" cy="0"/>
+          <a:chOff x="0" y="0"/>
+          <a:chExt cx="0" cy="0"/>
+        </a:xfrm>
+      </p:grpSpPr>
+      <p:sp>
+        <p:nvSpPr>
+          <p:cNvPr id="2" name="Titre 1">
+            <a:extLst>
+              <a:ext uri="{FF2B5EF4-FFF2-40B4-BE49-F238E27FC236}">
+                <a16:creationId xmlns:a16="http://schemas.microsoft.com/office/drawing/2014/main" id="{B99030D0-A7D8-CCB7-554B-40F1D1AA3511}"/>
+              </a:ext>
+            </a:extLst>
+          </p:cNvPr>
+          <p:cNvSpPr>
+            <a:spLocks noGrp="1"/>
+          </p:cNvSpPr>
+          <p:nvPr>
+            <p:ph type="title"/>
+          </p:nvPr>
+        </p:nvSpPr>
+        <p:spPr/>
+        <p:txBody>
+          <a:bodyPr/>
+          <a:lstStyle/>
+          <a:p>
+            <a:r>
+              <a:rPr lang="fr-FR" dirty="0"/>
+              <a:t>CONCLUSION PATTERNS</a:t>
+            </a:r>
+            <a:endParaRPr lang="fr-NC" dirty="0"/>
+          </a:p>
+        </p:txBody>
+      </p:sp>
+      <p:sp>
+        <p:nvSpPr>
+          <p:cNvPr id="3" name="Espace réservé du contenu 2">
+            <a:extLst>
+              <a:ext uri="{FF2B5EF4-FFF2-40B4-BE49-F238E27FC236}">
+                <a16:creationId xmlns:a16="http://schemas.microsoft.com/office/drawing/2014/main" id="{537DE1DF-7941-5E1B-DFBC-5EAA55D5C9AB}"/>
+              </a:ext>
+            </a:extLst>
+          </p:cNvPr>
+          <p:cNvSpPr>
+            <a:spLocks noGrp="1"/>
+          </p:cNvSpPr>
+          <p:nvPr>
+            <p:ph idx="1"/>
+          </p:nvPr>
+        </p:nvSpPr>
+        <p:spPr/>
+        <p:txBody>
+          <a:bodyPr/>
+          <a:lstStyle/>
+          <a:p>
+            <a:r>
+              <a:rPr lang="fr-FR" dirty="0"/>
+              <a:t>Grâce aux patterns, le code est + lisible et + facilement maintenable/améliorable.</a:t>
+            </a:r>
+          </a:p>
+          <a:p>
+            <a:r>
+              <a:rPr lang="fr-FR" dirty="0"/>
+              <a:t>Avec ces patterns, les possibilités d’ajouter des affichages ou des états de commandes différents deviennent illimitées.</a:t>
+            </a:r>
+          </a:p>
+          <a:p>
+            <a:endParaRPr lang="fr-NC" dirty="0"/>
+          </a:p>
+        </p:txBody>
+      </p:sp>
+      <p:sp>
+        <p:nvSpPr>
+          <p:cNvPr id="4" name="Espace réservé du numéro de diapositive 3">
+            <a:extLst>
+              <a:ext uri="{FF2B5EF4-FFF2-40B4-BE49-F238E27FC236}">
+                <a16:creationId xmlns:a16="http://schemas.microsoft.com/office/drawing/2014/main" id="{58900F79-5E53-BCC9-B8BA-2637FDE70345}"/>
+              </a:ext>
+            </a:extLst>
+          </p:cNvPr>
+          <p:cNvSpPr>
+            <a:spLocks noGrp="1"/>
+          </p:cNvSpPr>
+          <p:nvPr>
+            <p:ph type="sldNum" sz="quarter" idx="12"/>
+          </p:nvPr>
+        </p:nvSpPr>
+        <p:spPr/>
+        <p:txBody>
+          <a:bodyPr/>
+          <a:lstStyle/>
+          <a:p>
+            <a:fld id="{6BE057CB-9EC3-4CA1-805D-2D0EB6FF12F6}" type="slidenum">
+              <a:rPr lang="fr-NC" smtClean="0"/>
+              <a:t>11</a:t>
+            </a:fld>
+            <a:endParaRPr lang="fr-NC"/>
+          </a:p>
+        </p:txBody>
+      </p:sp>
+    </p:spTree>
+    <p:extLst>
+      <p:ext uri="{BB962C8B-B14F-4D97-AF65-F5344CB8AC3E}">
+        <p14:creationId xmlns:p14="http://schemas.microsoft.com/office/powerpoint/2010/main" val="3041941616"/>
+      </p:ext>
+    </p:extLst>
+  </p:cSld>
+  <p:clrMapOvr>
+    <a:masterClrMapping/>
+  </p:clrMapOvr>
+</p:sld>
+</file>
+
+<file path=ppt/slides/slide12.xml><?xml version="1.0" encoding="utf-8"?>
+<p:sld xmlns:a="http://schemas.openxmlformats.org/drawingml/2006/main" xmlns:r="http://schemas.openxmlformats.org/officeDocument/2006/relationships" xmlns:p="http://schemas.openxmlformats.org/presentationml/2006/main">
+  <p:cSld>
+    <p:spTree>
+      <p:nvGrpSpPr>
+        <p:cNvPr id="1" name=""/>
+        <p:cNvGrpSpPr/>
+        <p:nvPr/>
+      </p:nvGrpSpPr>
+      <p:grpSpPr>
+        <a:xfrm>
+          <a:off x="0" y="0"/>
+          <a:ext cx="0" cy="0"/>
+          <a:chOff x="0" y="0"/>
+          <a:chExt cx="0" cy="0"/>
+        </a:xfrm>
+      </p:grpSpPr>
+      <p:sp>
+        <p:nvSpPr>
+          <p:cNvPr id="2" name="Titre 1">
+            <a:extLst>
+              <a:ext uri="{FF2B5EF4-FFF2-40B4-BE49-F238E27FC236}">
+                <a16:creationId xmlns:a16="http://schemas.microsoft.com/office/drawing/2014/main" id="{004CF4BE-D2CD-FC91-E010-DDD7AD257FFC}"/>
+              </a:ext>
+            </a:extLst>
+          </p:cNvPr>
+          <p:cNvSpPr>
+            <a:spLocks noGrp="1"/>
+          </p:cNvSpPr>
+          <p:nvPr>
+            <p:ph type="title"/>
+          </p:nvPr>
+        </p:nvSpPr>
+        <p:spPr/>
+        <p:txBody>
+          <a:bodyPr/>
+          <a:lstStyle/>
+          <a:p>
+            <a:r>
+              <a:rPr lang="fr-FR" dirty="0"/>
+              <a:t>CONCLUSION SEMESTRE</a:t>
+            </a:r>
+            <a:endParaRPr lang="fr-NC" dirty="0"/>
+          </a:p>
+        </p:txBody>
+      </p:sp>
+      <p:sp>
+        <p:nvSpPr>
+          <p:cNvPr id="3" name="Espace réservé du contenu 2">
+            <a:extLst>
+              <a:ext uri="{FF2B5EF4-FFF2-40B4-BE49-F238E27FC236}">
+                <a16:creationId xmlns:a16="http://schemas.microsoft.com/office/drawing/2014/main" id="{A26B3CAE-2AE0-C225-9F78-F5DEE52F4522}"/>
+              </a:ext>
+            </a:extLst>
+          </p:cNvPr>
+          <p:cNvSpPr>
+            <a:spLocks noGrp="1"/>
+          </p:cNvSpPr>
+          <p:nvPr>
+            <p:ph idx="1"/>
+          </p:nvPr>
+        </p:nvSpPr>
+        <p:spPr/>
+        <p:txBody>
+          <a:bodyPr/>
+          <a:lstStyle/>
+          <a:p>
+            <a:r>
+              <a:rPr lang="fr-FR" dirty="0"/>
+              <a:t>On a vu de nouvelles façons de coder à travers les designs patterns, nous permettant d’éviter de faire des algorithmes trop longs et trop complexes. Malgré le nombre de fichiers en plus à créer, les designs patterns nous permettent de mieux nous y retrouver et ainsi coder plus vite, et parfois </a:t>
+            </a:r>
+            <a:r>
+              <a:rPr lang="fr-FR"/>
+              <a:t>même augmentent les </a:t>
+            </a:r>
+            <a:r>
+              <a:rPr lang="fr-FR" dirty="0"/>
+              <a:t>performances des programmes.</a:t>
+            </a:r>
+            <a:endParaRPr lang="fr-NC" dirty="0"/>
+          </a:p>
+        </p:txBody>
+      </p:sp>
+      <p:sp>
+        <p:nvSpPr>
+          <p:cNvPr id="4" name="Espace réservé du numéro de diapositive 3">
+            <a:extLst>
+              <a:ext uri="{FF2B5EF4-FFF2-40B4-BE49-F238E27FC236}">
+                <a16:creationId xmlns:a16="http://schemas.microsoft.com/office/drawing/2014/main" id="{7BB79DA5-8F29-C84A-ED6C-76416ADE122C}"/>
+              </a:ext>
+            </a:extLst>
+          </p:cNvPr>
+          <p:cNvSpPr>
+            <a:spLocks noGrp="1"/>
+          </p:cNvSpPr>
+          <p:nvPr>
+            <p:ph type="sldNum" sz="quarter" idx="12"/>
+          </p:nvPr>
+        </p:nvSpPr>
+        <p:spPr/>
+        <p:txBody>
+          <a:bodyPr/>
+          <a:lstStyle/>
+          <a:p>
+            <a:fld id="{6BE057CB-9EC3-4CA1-805D-2D0EB6FF12F6}" type="slidenum">
+              <a:rPr lang="fr-NC" smtClean="0"/>
+              <a:t>12</a:t>
+            </a:fld>
+            <a:endParaRPr lang="fr-NC"/>
+          </a:p>
+        </p:txBody>
+      </p:sp>
+    </p:spTree>
+    <p:extLst>
+      <p:ext uri="{BB962C8B-B14F-4D97-AF65-F5344CB8AC3E}">
+        <p14:creationId xmlns:p14="http://schemas.microsoft.com/office/powerpoint/2010/main" val="2731208726"/>
+      </p:ext>
+    </p:extLst>
+  </p:cSld>
+  <p:clrMapOvr>
+    <a:masterClrMapping/>
+  </p:clrMapOvr>
+</p:sld>
+</file>
+
 <file path=ppt/slides/slide2.xml><?xml version="1.0" encoding="utf-8"?>
 <p:sld xmlns:a="http://schemas.openxmlformats.org/drawingml/2006/main" xmlns:r="http://schemas.openxmlformats.org/officeDocument/2006/relationships" xmlns:p="http://schemas.openxmlformats.org/presentationml/2006/main">
   <p:cSld>
@@ -6268,6 +7093,35 @@
               <a:t>Affichage du détail de la commande</a:t>
             </a:r>
             <a:endParaRPr lang="fr-NC" dirty="0"/>
+          </a:p>
+        </p:txBody>
+      </p:sp>
+      <p:sp>
+        <p:nvSpPr>
+          <p:cNvPr id="4" name="Espace réservé du numéro de diapositive 3">
+            <a:extLst>
+              <a:ext uri="{FF2B5EF4-FFF2-40B4-BE49-F238E27FC236}">
+                <a16:creationId xmlns:a16="http://schemas.microsoft.com/office/drawing/2014/main" id="{035A1F4B-C1C6-40FE-C126-BC97623D16C6}"/>
+              </a:ext>
+            </a:extLst>
+          </p:cNvPr>
+          <p:cNvSpPr>
+            <a:spLocks noGrp="1"/>
+          </p:cNvSpPr>
+          <p:nvPr>
+            <p:ph type="sldNum" sz="quarter" idx="12"/>
+          </p:nvPr>
+        </p:nvSpPr>
+        <p:spPr/>
+        <p:txBody>
+          <a:bodyPr/>
+          <a:lstStyle/>
+          <a:p>
+            <a:fld id="{6BE057CB-9EC3-4CA1-805D-2D0EB6FF12F6}" type="slidenum">
+              <a:rPr lang="fr-NC" smtClean="0"/>
+              <a:t>2</a:t>
+            </a:fld>
+            <a:endParaRPr lang="fr-NC"/>
           </a:p>
         </p:txBody>
       </p:sp>
@@ -6330,12 +7184,41 @@
           </a:p>
         </p:txBody>
       </p:sp>
+      <p:sp>
+        <p:nvSpPr>
+          <p:cNvPr id="3" name="Espace réservé du numéro de diapositive 2">
+            <a:extLst>
+              <a:ext uri="{FF2B5EF4-FFF2-40B4-BE49-F238E27FC236}">
+                <a16:creationId xmlns:a16="http://schemas.microsoft.com/office/drawing/2014/main" id="{5DDE45F4-37D4-7665-7640-B9B402C90007}"/>
+              </a:ext>
+            </a:extLst>
+          </p:cNvPr>
+          <p:cNvSpPr>
+            <a:spLocks noGrp="1"/>
+          </p:cNvSpPr>
+          <p:nvPr>
+            <p:ph type="sldNum" sz="quarter" idx="12"/>
+          </p:nvPr>
+        </p:nvSpPr>
+        <p:spPr/>
+        <p:txBody>
+          <a:bodyPr/>
+          <a:lstStyle/>
+          <a:p>
+            <a:fld id="{6BE057CB-9EC3-4CA1-805D-2D0EB6FF12F6}" type="slidenum">
+              <a:rPr lang="fr-NC" smtClean="0"/>
+              <a:t>3</a:t>
+            </a:fld>
+            <a:endParaRPr lang="fr-NC"/>
+          </a:p>
+        </p:txBody>
+      </p:sp>
       <p:pic>
         <p:nvPicPr>
-          <p:cNvPr id="5" name="Espace réservé du contenu 4">
+          <p:cNvPr id="9" name="Espace réservé du contenu 8">
             <a:extLst>
               <a:ext uri="{FF2B5EF4-FFF2-40B4-BE49-F238E27FC236}">
-                <a16:creationId xmlns:a16="http://schemas.microsoft.com/office/drawing/2014/main" id="{99A535D9-1514-CB65-A331-369C8456A73E}"/>
+                <a16:creationId xmlns:a16="http://schemas.microsoft.com/office/drawing/2014/main" id="{2F57B3D2-5D77-BD92-A2A4-C66CF23ED053}"/>
               </a:ext>
             </a:extLst>
           </p:cNvPr>
@@ -6354,13 +7237,13 @@
               </a:ext>
             </a:extLst>
           </a:blip>
-          <a:srcRect t="9967"/>
+          <a:srcRect t="9052"/>
           <a:stretch/>
         </p:blipFill>
         <p:spPr>
           <a:xfrm>
-            <a:off x="2957225" y="1162346"/>
-            <a:ext cx="6277550" cy="5412994"/>
+            <a:off x="2877229" y="1152983"/>
+            <a:ext cx="5927405" cy="5443748"/>
           </a:xfrm>
         </p:spPr>
       </p:pic>
@@ -6413,7 +7296,7 @@
         <p:spPr>
           <a:xfrm>
             <a:off x="646111" y="452718"/>
-            <a:ext cx="11294098" cy="1400530"/>
+            <a:ext cx="9966204" cy="1400530"/>
           </a:xfrm>
         </p:spPr>
         <p:txBody>
@@ -6422,26 +7305,47 @@
           <a:p>
             <a:r>
               <a:rPr lang="fr-FR" dirty="0"/>
-              <a:t>Design Patterns utilisés : </a:t>
-            </a:r>
-            <a:r>
-              <a:rPr lang="fr-FR" dirty="0" err="1"/>
-              <a:t>Strategy</a:t>
-            </a:r>
-            <a:r>
-              <a:rPr lang="fr-FR" dirty="0"/>
-              <a:t> &amp; State</a:t>
+              <a:t>Design Patterns utilisés : Strategy &amp; State</a:t>
             </a:r>
             <a:endParaRPr lang="fr-NC" dirty="0"/>
+          </a:p>
+        </p:txBody>
+      </p:sp>
+      <p:sp>
+        <p:nvSpPr>
+          <p:cNvPr id="3" name="Espace réservé du numéro de diapositive 2">
+            <a:extLst>
+              <a:ext uri="{FF2B5EF4-FFF2-40B4-BE49-F238E27FC236}">
+                <a16:creationId xmlns:a16="http://schemas.microsoft.com/office/drawing/2014/main" id="{A35E0AB7-98DE-C3E0-96F4-B48853E66141}"/>
+              </a:ext>
+            </a:extLst>
+          </p:cNvPr>
+          <p:cNvSpPr>
+            <a:spLocks noGrp="1"/>
+          </p:cNvSpPr>
+          <p:nvPr>
+            <p:ph type="sldNum" sz="quarter" idx="12"/>
+          </p:nvPr>
+        </p:nvSpPr>
+        <p:spPr/>
+        <p:txBody>
+          <a:bodyPr/>
+          <a:lstStyle/>
+          <a:p>
+            <a:fld id="{6BE057CB-9EC3-4CA1-805D-2D0EB6FF12F6}" type="slidenum">
+              <a:rPr lang="fr-NC" smtClean="0"/>
+              <a:t>4</a:t>
+            </a:fld>
+            <a:endParaRPr lang="fr-NC"/>
           </a:p>
         </p:txBody>
       </p:sp>
       <p:pic>
         <p:nvPicPr>
-          <p:cNvPr id="5" name="Espace réservé du contenu 4">
+          <p:cNvPr id="7" name="Espace réservé du contenu 8">
             <a:extLst>
               <a:ext uri="{FF2B5EF4-FFF2-40B4-BE49-F238E27FC236}">
-                <a16:creationId xmlns:a16="http://schemas.microsoft.com/office/drawing/2014/main" id="{99A535D9-1514-CB65-A331-369C8456A73E}"/>
+                <a16:creationId xmlns:a16="http://schemas.microsoft.com/office/drawing/2014/main" id="{363A9F03-4FD8-75E2-1121-E40AB204C511}"/>
               </a:ext>
             </a:extLst>
           </p:cNvPr>
@@ -6460,16 +7364,337 @@
               </a:ext>
             </a:extLst>
           </a:blip>
-          <a:srcRect t="10777" b="282"/>
+          <a:srcRect t="9052"/>
           <a:stretch/>
         </p:blipFill>
         <p:spPr>
           <a:xfrm>
-            <a:off x="2957225" y="1152983"/>
-            <a:ext cx="6277550" cy="5347252"/>
+            <a:off x="1420361" y="2058353"/>
+            <a:ext cx="4568519" cy="4195762"/>
           </a:xfrm>
+          <a:prstGeom prst="rect">
+            <a:avLst/>
+          </a:prstGeom>
+          <a:solidFill>
+            <a:srgbClr val="FFFFFF">
+              <a:shade val="85000"/>
+            </a:srgbClr>
+          </a:solidFill>
+          <a:ln w="88900" cap="sq">
+            <a:solidFill>
+              <a:srgbClr val="FFFFFF"/>
+            </a:solidFill>
+            <a:miter lim="800000"/>
+          </a:ln>
+          <a:effectLst>
+            <a:outerShdw blurRad="55000" dist="18000" dir="5400000" algn="tl" rotWithShape="0">
+              <a:srgbClr val="000000">
+                <a:alpha val="40000"/>
+              </a:srgbClr>
+            </a:outerShdw>
+          </a:effectLst>
+          <a:scene3d>
+            <a:camera prst="orthographicFront"/>
+            <a:lightRig rig="twoPt" dir="t">
+              <a:rot lat="0" lon="0" rev="7200000"/>
+            </a:lightRig>
+          </a:scene3d>
+          <a:sp3d>
+            <a:bevelT w="25400" h="19050"/>
+            <a:contourClr>
+              <a:srgbClr val="FFFFFF"/>
+            </a:contourClr>
+          </a:sp3d>
         </p:spPr>
       </p:pic>
+      <p:pic>
+        <p:nvPicPr>
+          <p:cNvPr id="9" name="Image 8">
+            <a:extLst>
+              <a:ext uri="{FF2B5EF4-FFF2-40B4-BE49-F238E27FC236}">
+                <a16:creationId xmlns:a16="http://schemas.microsoft.com/office/drawing/2014/main" id="{710B4C35-2BBB-8A64-719A-CC8B77DE8120}"/>
+              </a:ext>
+            </a:extLst>
+          </p:cNvPr>
+          <p:cNvPicPr>
+            <a:picLocks noChangeAspect="1"/>
+          </p:cNvPicPr>
+          <p:nvPr/>
+        </p:nvPicPr>
+        <p:blipFill rotWithShape="1">
+          <a:blip r:embed="rId3">
+            <a:extLst>
+              <a:ext uri="{28A0092B-C50C-407E-A947-70E740481C1C}">
+                <a14:useLocalDpi xmlns:a14="http://schemas.microsoft.com/office/drawing/2010/main" val="0"/>
+              </a:ext>
+            </a:extLst>
+          </a:blip>
+          <a:srcRect l="47106" t="6818"/>
+          <a:stretch/>
+        </p:blipFill>
+        <p:spPr>
+          <a:xfrm>
+            <a:off x="8018544" y="2395197"/>
+            <a:ext cx="2753095" cy="3586058"/>
+          </a:xfrm>
+          <a:prstGeom prst="rect">
+            <a:avLst/>
+          </a:prstGeom>
+          <a:solidFill>
+            <a:srgbClr val="FFFFFF">
+              <a:shade val="85000"/>
+            </a:srgbClr>
+          </a:solidFill>
+          <a:ln w="190500" cap="rnd">
+            <a:solidFill>
+              <a:srgbClr val="FFFFFF"/>
+            </a:solidFill>
+          </a:ln>
+          <a:effectLst>
+            <a:outerShdw blurRad="50000" algn="tl" rotWithShape="0">
+              <a:srgbClr val="000000">
+                <a:alpha val="41000"/>
+              </a:srgbClr>
+            </a:outerShdw>
+          </a:effectLst>
+          <a:scene3d>
+            <a:camera prst="orthographicFront"/>
+            <a:lightRig rig="twoPt" dir="t">
+              <a:rot lat="0" lon="0" rev="7800000"/>
+            </a:lightRig>
+          </a:scene3d>
+          <a:sp3d contourW="6350">
+            <a:bevelT w="50800" h="16510"/>
+            <a:contourClr>
+              <a:srgbClr val="C0C0C0"/>
+            </a:contourClr>
+          </a:sp3d>
+        </p:spPr>
+      </p:pic>
+      <p:sp>
+        <p:nvSpPr>
+          <p:cNvPr id="10" name="Rectangle 9">
+            <a:extLst>
+              <a:ext uri="{FF2B5EF4-FFF2-40B4-BE49-F238E27FC236}">
+                <a16:creationId xmlns:a16="http://schemas.microsoft.com/office/drawing/2014/main" id="{60B13AD7-5E21-D388-774D-A688666DA443}"/>
+              </a:ext>
+            </a:extLst>
+          </p:cNvPr>
+          <p:cNvSpPr/>
+          <p:nvPr/>
+        </p:nvSpPr>
+        <p:spPr>
+          <a:xfrm>
+            <a:off x="4368800" y="2626360"/>
+            <a:ext cx="1584959" cy="2390140"/>
+          </a:xfrm>
+          <a:prstGeom prst="rect">
+            <a:avLst/>
+          </a:prstGeom>
+          <a:noFill/>
+          <a:ln>
+            <a:solidFill>
+              <a:schemeClr val="accent1"/>
+            </a:solidFill>
+          </a:ln>
+        </p:spPr>
+        <p:style>
+          <a:lnRef idx="2">
+            <a:schemeClr val="accent1">
+              <a:shade val="50000"/>
+            </a:schemeClr>
+          </a:lnRef>
+          <a:fillRef idx="1">
+            <a:schemeClr val="accent1"/>
+          </a:fillRef>
+          <a:effectRef idx="0">
+            <a:schemeClr val="accent1"/>
+          </a:effectRef>
+          <a:fontRef idx="minor">
+            <a:schemeClr val="lt1"/>
+          </a:fontRef>
+        </p:style>
+        <p:txBody>
+          <a:bodyPr rtlCol="0" anchor="ctr"/>
+          <a:lstStyle/>
+          <a:p>
+            <a:pPr algn="ctr"/>
+            <a:endParaRPr lang="fr-FR"/>
+          </a:p>
+        </p:txBody>
+      </p:sp>
+      <p:sp>
+        <p:nvSpPr>
+          <p:cNvPr id="13" name="Forme en L 12">
+            <a:extLst>
+              <a:ext uri="{FF2B5EF4-FFF2-40B4-BE49-F238E27FC236}">
+                <a16:creationId xmlns:a16="http://schemas.microsoft.com/office/drawing/2014/main" id="{2612B6DF-0056-8D8A-EE83-AEA0F55F5427}"/>
+              </a:ext>
+            </a:extLst>
+          </p:cNvPr>
+          <p:cNvSpPr/>
+          <p:nvPr/>
+        </p:nvSpPr>
+        <p:spPr>
+          <a:xfrm>
+            <a:off x="1554480" y="4366260"/>
+            <a:ext cx="3649980" cy="1887855"/>
+          </a:xfrm>
+          <a:prstGeom prst="corner">
+            <a:avLst>
+              <a:gd name="adj1" fmla="val 42062"/>
+              <a:gd name="adj2" fmla="val 138510"/>
+            </a:avLst>
+          </a:prstGeom>
+          <a:noFill/>
+          <a:ln>
+            <a:solidFill>
+              <a:schemeClr val="accent1"/>
+            </a:solidFill>
+          </a:ln>
+        </p:spPr>
+        <p:style>
+          <a:lnRef idx="2">
+            <a:schemeClr val="accent1">
+              <a:shade val="50000"/>
+            </a:schemeClr>
+          </a:lnRef>
+          <a:fillRef idx="1">
+            <a:schemeClr val="accent1"/>
+          </a:fillRef>
+          <a:effectRef idx="0">
+            <a:schemeClr val="accent1"/>
+          </a:effectRef>
+          <a:fontRef idx="minor">
+            <a:schemeClr val="lt1"/>
+          </a:fontRef>
+        </p:style>
+        <p:txBody>
+          <a:bodyPr rtlCol="0" anchor="ctr"/>
+          <a:lstStyle/>
+          <a:p>
+            <a:pPr algn="ctr"/>
+            <a:endParaRPr lang="fr-FR"/>
+          </a:p>
+        </p:txBody>
+      </p:sp>
+      <p:sp>
+        <p:nvSpPr>
+          <p:cNvPr id="14" name="ZoneTexte 13">
+            <a:extLst>
+              <a:ext uri="{FF2B5EF4-FFF2-40B4-BE49-F238E27FC236}">
+                <a16:creationId xmlns:a16="http://schemas.microsoft.com/office/drawing/2014/main" id="{855889D7-F1E5-6AA0-3C47-B6DBF646CC7E}"/>
+              </a:ext>
+            </a:extLst>
+          </p:cNvPr>
+          <p:cNvSpPr txBox="1"/>
+          <p:nvPr/>
+        </p:nvSpPr>
+        <p:spPr>
+          <a:xfrm>
+            <a:off x="4282077" y="2287389"/>
+            <a:ext cx="1112805" cy="369332"/>
+          </a:xfrm>
+          <a:prstGeom prst="rect">
+            <a:avLst/>
+          </a:prstGeom>
+          <a:noFill/>
+        </p:spPr>
+        <p:txBody>
+          <a:bodyPr wrap="none" rtlCol="0">
+            <a:spAutoFit/>
+          </a:bodyPr>
+          <a:lstStyle/>
+          <a:p>
+            <a:r>
+              <a:rPr lang="fr-FR" dirty="0">
+                <a:solidFill>
+                  <a:srgbClr val="FF0000"/>
+                </a:solidFill>
+              </a:rPr>
+              <a:t>Strategy</a:t>
+            </a:r>
+          </a:p>
+        </p:txBody>
+      </p:sp>
+      <p:sp>
+        <p:nvSpPr>
+          <p:cNvPr id="15" name="ZoneTexte 14">
+            <a:extLst>
+              <a:ext uri="{FF2B5EF4-FFF2-40B4-BE49-F238E27FC236}">
+                <a16:creationId xmlns:a16="http://schemas.microsoft.com/office/drawing/2014/main" id="{28D96C93-50B9-521D-A4B5-6D45DA2EA5E5}"/>
+              </a:ext>
+            </a:extLst>
+          </p:cNvPr>
+          <p:cNvSpPr txBox="1"/>
+          <p:nvPr/>
+        </p:nvSpPr>
+        <p:spPr>
+          <a:xfrm>
+            <a:off x="1485900" y="4063046"/>
+            <a:ext cx="764953" cy="369332"/>
+          </a:xfrm>
+          <a:prstGeom prst="rect">
+            <a:avLst/>
+          </a:prstGeom>
+          <a:noFill/>
+        </p:spPr>
+        <p:txBody>
+          <a:bodyPr wrap="none" rtlCol="0">
+            <a:spAutoFit/>
+          </a:bodyPr>
+          <a:lstStyle/>
+          <a:p>
+            <a:r>
+              <a:rPr lang="fr-FR" dirty="0">
+                <a:solidFill>
+                  <a:srgbClr val="FF0000"/>
+                </a:solidFill>
+              </a:rPr>
+              <a:t>State</a:t>
+            </a:r>
+          </a:p>
+        </p:txBody>
+      </p:sp>
+      <p:sp>
+        <p:nvSpPr>
+          <p:cNvPr id="16" name="ZoneTexte 15">
+            <a:extLst>
+              <a:ext uri="{FF2B5EF4-FFF2-40B4-BE49-F238E27FC236}">
+                <a16:creationId xmlns:a16="http://schemas.microsoft.com/office/drawing/2014/main" id="{F8BC5EBB-B310-5346-4C53-ABEF10FDC66E}"/>
+              </a:ext>
+            </a:extLst>
+          </p:cNvPr>
+          <p:cNvSpPr txBox="1"/>
+          <p:nvPr/>
+        </p:nvSpPr>
+        <p:spPr>
+          <a:xfrm>
+            <a:off x="7907223" y="2287389"/>
+            <a:ext cx="1563248" cy="369332"/>
+          </a:xfrm>
+          <a:prstGeom prst="rect">
+            <a:avLst/>
+          </a:prstGeom>
+          <a:noFill/>
+        </p:spPr>
+        <p:txBody>
+          <a:bodyPr wrap="none" rtlCol="0">
+            <a:spAutoFit/>
+          </a:bodyPr>
+          <a:lstStyle/>
+          <a:p>
+            <a:r>
+              <a:rPr lang="fr-FR" dirty="0">
+                <a:solidFill>
+                  <a:srgbClr val="FF0000"/>
+                </a:solidFill>
+              </a:rPr>
+              <a:t>Sans Pattern</a:t>
+            </a:r>
+          </a:p>
+        </p:txBody>
+      </p:sp>
     </p:spTree>
     <p:extLst>
       <p:ext uri="{BB962C8B-B14F-4D97-AF65-F5344CB8AC3E}">
@@ -6484,6 +7709,414 @@
 </file>
 
 <file path=ppt/slides/slide5.xml><?xml version="1.0" encoding="utf-8"?>
+<p:sld xmlns:a="http://schemas.openxmlformats.org/drawingml/2006/main" xmlns:r="http://schemas.openxmlformats.org/officeDocument/2006/relationships" xmlns:p="http://schemas.openxmlformats.org/presentationml/2006/main">
+  <p:cSld>
+    <p:spTree>
+      <p:nvGrpSpPr>
+        <p:cNvPr id="1" name=""/>
+        <p:cNvGrpSpPr/>
+        <p:nvPr/>
+      </p:nvGrpSpPr>
+      <p:grpSpPr>
+        <a:xfrm>
+          <a:off x="0" y="0"/>
+          <a:ext cx="0" cy="0"/>
+          <a:chOff x="0" y="0"/>
+          <a:chExt cx="0" cy="0"/>
+        </a:xfrm>
+      </p:grpSpPr>
+      <p:sp>
+        <p:nvSpPr>
+          <p:cNvPr id="2" name="Titre 1">
+            <a:extLst>
+              <a:ext uri="{FF2B5EF4-FFF2-40B4-BE49-F238E27FC236}">
+                <a16:creationId xmlns:a16="http://schemas.microsoft.com/office/drawing/2014/main" id="{843926D4-5980-FCE5-41EF-212A6B894974}"/>
+              </a:ext>
+            </a:extLst>
+          </p:cNvPr>
+          <p:cNvSpPr>
+            <a:spLocks noGrp="1"/>
+          </p:cNvSpPr>
+          <p:nvPr>
+            <p:ph type="title"/>
+          </p:nvPr>
+        </p:nvSpPr>
+        <p:spPr/>
+        <p:txBody>
+          <a:bodyPr/>
+          <a:lstStyle/>
+          <a:p>
+            <a:r>
+              <a:rPr lang="fr-FR" dirty="0"/>
+              <a:t>Comparaison AVEC et SANS pattern</a:t>
+            </a:r>
+          </a:p>
+        </p:txBody>
+      </p:sp>
+      <p:sp>
+        <p:nvSpPr>
+          <p:cNvPr id="3" name="Espace réservé du contenu 2">
+            <a:extLst>
+              <a:ext uri="{FF2B5EF4-FFF2-40B4-BE49-F238E27FC236}">
+                <a16:creationId xmlns:a16="http://schemas.microsoft.com/office/drawing/2014/main" id="{6898F8D5-72A7-7049-1D0B-51A5559179CF}"/>
+              </a:ext>
+            </a:extLst>
+          </p:cNvPr>
+          <p:cNvSpPr>
+            <a:spLocks noGrp="1"/>
+          </p:cNvSpPr>
+          <p:nvPr>
+            <p:ph idx="1"/>
+          </p:nvPr>
+        </p:nvSpPr>
+        <p:spPr/>
+        <p:txBody>
+          <a:bodyPr/>
+          <a:lstStyle/>
+          <a:p>
+            <a:r>
+              <a:rPr lang="fr-FR" dirty="0"/>
+              <a:t>Plus de fichier avec pattern mais fichier beaucoup moins lisible et dense sans pattern</a:t>
+            </a:r>
+          </a:p>
+          <a:p>
+            <a:r>
+              <a:rPr lang="fr-FR" dirty="0"/>
+              <a:t>Ajout de nouveaux états ou nouveaux affichage avec les pattern plus simple car il faut rajouter des conditions dans chaque méthode pour la version sans pattern.</a:t>
+            </a:r>
+          </a:p>
+          <a:p>
+            <a:r>
+              <a:rPr lang="fr-FR" dirty="0"/>
+              <a:t>Exécution du programme très similaires dans les deux cas</a:t>
+            </a:r>
+          </a:p>
+        </p:txBody>
+      </p:sp>
+      <p:sp>
+        <p:nvSpPr>
+          <p:cNvPr id="4" name="Espace réservé du numéro de diapositive 3">
+            <a:extLst>
+              <a:ext uri="{FF2B5EF4-FFF2-40B4-BE49-F238E27FC236}">
+                <a16:creationId xmlns:a16="http://schemas.microsoft.com/office/drawing/2014/main" id="{C60425D3-450D-FE00-5CD9-99D069FCDF77}"/>
+              </a:ext>
+            </a:extLst>
+          </p:cNvPr>
+          <p:cNvSpPr>
+            <a:spLocks noGrp="1"/>
+          </p:cNvSpPr>
+          <p:nvPr>
+            <p:ph type="sldNum" sz="quarter" idx="12"/>
+          </p:nvPr>
+        </p:nvSpPr>
+        <p:spPr/>
+        <p:txBody>
+          <a:bodyPr/>
+          <a:lstStyle/>
+          <a:p>
+            <a:fld id="{6BE057CB-9EC3-4CA1-805D-2D0EB6FF12F6}" type="slidenum">
+              <a:rPr lang="fr-NC" smtClean="0"/>
+              <a:t>5</a:t>
+            </a:fld>
+            <a:endParaRPr lang="fr-NC"/>
+          </a:p>
+        </p:txBody>
+      </p:sp>
+    </p:spTree>
+    <p:extLst>
+      <p:ext uri="{BB962C8B-B14F-4D97-AF65-F5344CB8AC3E}">
+        <p14:creationId xmlns:p14="http://schemas.microsoft.com/office/powerpoint/2010/main" val="2262179712"/>
+      </p:ext>
+    </p:extLst>
+  </p:cSld>
+  <p:clrMapOvr>
+    <a:masterClrMapping/>
+  </p:clrMapOvr>
+</p:sld>
+</file>
+
+<file path=ppt/slides/slide6.xml><?xml version="1.0" encoding="utf-8"?>
+<p:sld xmlns:a="http://schemas.openxmlformats.org/drawingml/2006/main" xmlns:r="http://schemas.openxmlformats.org/officeDocument/2006/relationships" xmlns:p="http://schemas.openxmlformats.org/presentationml/2006/main">
+  <p:cSld>
+    <p:spTree>
+      <p:nvGrpSpPr>
+        <p:cNvPr id="1" name=""/>
+        <p:cNvGrpSpPr/>
+        <p:nvPr/>
+      </p:nvGrpSpPr>
+      <p:grpSpPr>
+        <a:xfrm>
+          <a:off x="0" y="0"/>
+          <a:ext cx="0" cy="0"/>
+          <a:chOff x="0" y="0"/>
+          <a:chExt cx="0" cy="0"/>
+        </a:xfrm>
+      </p:grpSpPr>
+      <p:sp>
+        <p:nvSpPr>
+          <p:cNvPr id="2" name="Titre 1">
+            <a:extLst>
+              <a:ext uri="{FF2B5EF4-FFF2-40B4-BE49-F238E27FC236}">
+                <a16:creationId xmlns:a16="http://schemas.microsoft.com/office/drawing/2014/main" id="{4FA0CB6B-6341-2AFC-D770-C33D5DC568A2}"/>
+              </a:ext>
+            </a:extLst>
+          </p:cNvPr>
+          <p:cNvSpPr>
+            <a:spLocks noGrp="1"/>
+          </p:cNvSpPr>
+          <p:nvPr>
+            <p:ph type="title"/>
+          </p:nvPr>
+        </p:nvSpPr>
+        <p:spPr/>
+        <p:txBody>
+          <a:bodyPr/>
+          <a:lstStyle/>
+          <a:p>
+            <a:r>
+              <a:rPr lang="fr-FR" dirty="0"/>
+              <a:t>Exemple :</a:t>
+            </a:r>
+          </a:p>
+        </p:txBody>
+      </p:sp>
+      <p:sp>
+        <p:nvSpPr>
+          <p:cNvPr id="4" name="Espace réservé du numéro de diapositive 3">
+            <a:extLst>
+              <a:ext uri="{FF2B5EF4-FFF2-40B4-BE49-F238E27FC236}">
+                <a16:creationId xmlns:a16="http://schemas.microsoft.com/office/drawing/2014/main" id="{9EB1ED02-2C2A-2EB0-24E9-1C383E7F7CCF}"/>
+              </a:ext>
+            </a:extLst>
+          </p:cNvPr>
+          <p:cNvSpPr>
+            <a:spLocks noGrp="1"/>
+          </p:cNvSpPr>
+          <p:nvPr>
+            <p:ph type="sldNum" sz="quarter" idx="12"/>
+          </p:nvPr>
+        </p:nvSpPr>
+        <p:spPr/>
+        <p:txBody>
+          <a:bodyPr/>
+          <a:lstStyle/>
+          <a:p>
+            <a:fld id="{6BE057CB-9EC3-4CA1-805D-2D0EB6FF12F6}" type="slidenum">
+              <a:rPr lang="fr-NC" smtClean="0"/>
+              <a:t>6</a:t>
+            </a:fld>
+            <a:endParaRPr lang="fr-NC"/>
+          </a:p>
+        </p:txBody>
+      </p:sp>
+      <p:sp>
+        <p:nvSpPr>
+          <p:cNvPr id="5" name="ZoneTexte 4">
+            <a:extLst>
+              <a:ext uri="{FF2B5EF4-FFF2-40B4-BE49-F238E27FC236}">
+                <a16:creationId xmlns:a16="http://schemas.microsoft.com/office/drawing/2014/main" id="{5E9BF4C8-8711-D1F8-91C4-1938192CD711}"/>
+              </a:ext>
+            </a:extLst>
+          </p:cNvPr>
+          <p:cNvSpPr txBox="1"/>
+          <p:nvPr/>
+        </p:nvSpPr>
+        <p:spPr>
+          <a:xfrm>
+            <a:off x="539908" y="2371457"/>
+            <a:ext cx="6583680" cy="307777"/>
+          </a:xfrm>
+          <a:prstGeom prst="rect">
+            <a:avLst/>
+          </a:prstGeom>
+          <a:noFill/>
+        </p:spPr>
+        <p:txBody>
+          <a:bodyPr wrap="square" rtlCol="0">
+            <a:spAutoFit/>
+          </a:bodyPr>
+          <a:lstStyle/>
+          <a:p>
+            <a:r>
+              <a:rPr lang="fr-FR" sz="1400" dirty="0"/>
+              <a:t>Méthode ajouteplat() dans la classe Commande (Version sans Pattern)</a:t>
+            </a:r>
+          </a:p>
+        </p:txBody>
+      </p:sp>
+      <p:sp>
+        <p:nvSpPr>
+          <p:cNvPr id="6" name="ZoneTexte 5">
+            <a:extLst>
+              <a:ext uri="{FF2B5EF4-FFF2-40B4-BE49-F238E27FC236}">
+                <a16:creationId xmlns:a16="http://schemas.microsoft.com/office/drawing/2014/main" id="{5D597B5D-21DB-B123-CA4E-1CF7922EB0E0}"/>
+              </a:ext>
+            </a:extLst>
+          </p:cNvPr>
+          <p:cNvSpPr txBox="1"/>
+          <p:nvPr/>
+        </p:nvSpPr>
+        <p:spPr>
+          <a:xfrm>
+            <a:off x="539908" y="4221849"/>
+            <a:ext cx="7295954" cy="307777"/>
+          </a:xfrm>
+          <a:prstGeom prst="rect">
+            <a:avLst/>
+          </a:prstGeom>
+          <a:noFill/>
+        </p:spPr>
+        <p:txBody>
+          <a:bodyPr wrap="square" rtlCol="0">
+            <a:spAutoFit/>
+          </a:bodyPr>
+          <a:lstStyle/>
+          <a:p>
+            <a:r>
+              <a:rPr lang="fr-FR" sz="1400" dirty="0"/>
+              <a:t>Méthode ajouteplat() dans la classe EtatCommande (Version avec Pattern)</a:t>
+            </a:r>
+          </a:p>
+        </p:txBody>
+      </p:sp>
+      <p:sp>
+        <p:nvSpPr>
+          <p:cNvPr id="7" name="ZoneTexte 6">
+            <a:extLst>
+              <a:ext uri="{FF2B5EF4-FFF2-40B4-BE49-F238E27FC236}">
+                <a16:creationId xmlns:a16="http://schemas.microsoft.com/office/drawing/2014/main" id="{D4999BA2-BE2E-9C2A-03C4-8F4B1A6A3F63}"/>
+              </a:ext>
+            </a:extLst>
+          </p:cNvPr>
+          <p:cNvSpPr txBox="1"/>
+          <p:nvPr/>
+        </p:nvSpPr>
+        <p:spPr>
+          <a:xfrm>
+            <a:off x="539908" y="5633476"/>
+            <a:ext cx="7624578" cy="307777"/>
+          </a:xfrm>
+          <a:prstGeom prst="rect">
+            <a:avLst/>
+          </a:prstGeom>
+          <a:noFill/>
+        </p:spPr>
+        <p:txBody>
+          <a:bodyPr wrap="square" rtlCol="0">
+            <a:spAutoFit/>
+          </a:bodyPr>
+          <a:lstStyle/>
+          <a:p>
+            <a:r>
+              <a:rPr lang="fr-FR" sz="1400" dirty="0"/>
+              <a:t>Méthode ajouteplat() dans la classe CommandeAnnulee (Version avec Pattern)</a:t>
+            </a:r>
+          </a:p>
+        </p:txBody>
+      </p:sp>
+      <p:pic>
+        <p:nvPicPr>
+          <p:cNvPr id="8" name="Image 7">
+            <a:extLst>
+              <a:ext uri="{FF2B5EF4-FFF2-40B4-BE49-F238E27FC236}">
+                <a16:creationId xmlns:a16="http://schemas.microsoft.com/office/drawing/2014/main" id="{CEE0B9B5-214B-9A30-F8EC-4E9382A36BB7}"/>
+              </a:ext>
+            </a:extLst>
+          </p:cNvPr>
+          <p:cNvPicPr>
+            <a:picLocks noChangeAspect="1"/>
+          </p:cNvPicPr>
+          <p:nvPr/>
+        </p:nvPicPr>
+        <p:blipFill rotWithShape="1">
+          <a:blip r:embed="rId2"/>
+          <a:srcRect l="575" r="545" b="5649"/>
+          <a:stretch/>
+        </p:blipFill>
+        <p:spPr>
+          <a:xfrm>
+            <a:off x="626717" y="1571275"/>
+            <a:ext cx="7209144" cy="789802"/>
+          </a:xfrm>
+          <a:prstGeom prst="rect">
+            <a:avLst/>
+          </a:prstGeom>
+        </p:spPr>
+      </p:pic>
+      <p:pic>
+        <p:nvPicPr>
+          <p:cNvPr id="9" name="Image 8">
+            <a:extLst>
+              <a:ext uri="{FF2B5EF4-FFF2-40B4-BE49-F238E27FC236}">
+                <a16:creationId xmlns:a16="http://schemas.microsoft.com/office/drawing/2014/main" id="{5A025957-48CA-13EF-AA53-7894B70A1355}"/>
+              </a:ext>
+            </a:extLst>
+          </p:cNvPr>
+          <p:cNvPicPr>
+            <a:picLocks noChangeAspect="1"/>
+          </p:cNvPicPr>
+          <p:nvPr/>
+        </p:nvPicPr>
+        <p:blipFill>
+          <a:blip r:embed="rId3"/>
+          <a:stretch>
+            <a:fillRect/>
+          </a:stretch>
+        </p:blipFill>
+        <p:spPr>
+          <a:xfrm>
+            <a:off x="626717" y="3455731"/>
+            <a:ext cx="7209145" cy="754445"/>
+          </a:xfrm>
+          <a:prstGeom prst="rect">
+            <a:avLst/>
+          </a:prstGeom>
+        </p:spPr>
+      </p:pic>
+      <p:pic>
+        <p:nvPicPr>
+          <p:cNvPr id="10" name="Image 9">
+            <a:extLst>
+              <a:ext uri="{FF2B5EF4-FFF2-40B4-BE49-F238E27FC236}">
+                <a16:creationId xmlns:a16="http://schemas.microsoft.com/office/drawing/2014/main" id="{5F968D4C-ACF1-910D-3934-51216CF69469}"/>
+              </a:ext>
+            </a:extLst>
+          </p:cNvPr>
+          <p:cNvPicPr>
+            <a:picLocks noChangeAspect="1"/>
+          </p:cNvPicPr>
+          <p:nvPr/>
+        </p:nvPicPr>
+        <p:blipFill>
+          <a:blip r:embed="rId4"/>
+          <a:stretch>
+            <a:fillRect/>
+          </a:stretch>
+        </p:blipFill>
+        <p:spPr>
+          <a:xfrm>
+            <a:off x="646111" y="4836733"/>
+            <a:ext cx="5509737" cy="769687"/>
+          </a:xfrm>
+          <a:prstGeom prst="rect">
+            <a:avLst/>
+          </a:prstGeom>
+        </p:spPr>
+      </p:pic>
+    </p:spTree>
+    <p:extLst>
+      <p:ext uri="{BB962C8B-B14F-4D97-AF65-F5344CB8AC3E}">
+        <p14:creationId xmlns:p14="http://schemas.microsoft.com/office/powerpoint/2010/main" val="3715753010"/>
+      </p:ext>
+    </p:extLst>
+  </p:cSld>
+  <p:clrMapOvr>
+    <a:masterClrMapping/>
+  </p:clrMapOvr>
+</p:sld>
+</file>
+
+<file path=ppt/slides/slide7.xml><?xml version="1.0" encoding="utf-8"?>
 <p:sld xmlns:a="http://schemas.openxmlformats.org/drawingml/2006/main" xmlns:r="http://schemas.openxmlformats.org/officeDocument/2006/relationships" xmlns:p="http://schemas.openxmlformats.org/presentationml/2006/main">
   <p:cSld>
     <p:spTree>
@@ -6589,226 +8222,39 @@
           </a:prstGeom>
         </p:spPr>
       </p:pic>
+      <p:sp>
+        <p:nvSpPr>
+          <p:cNvPr id="3" name="Espace réservé du numéro de diapositive 2">
+            <a:extLst>
+              <a:ext uri="{FF2B5EF4-FFF2-40B4-BE49-F238E27FC236}">
+                <a16:creationId xmlns:a16="http://schemas.microsoft.com/office/drawing/2014/main" id="{645733B1-ECC9-0C94-3225-D5311E56D31F}"/>
+              </a:ext>
+            </a:extLst>
+          </p:cNvPr>
+          <p:cNvSpPr>
+            <a:spLocks noGrp="1"/>
+          </p:cNvSpPr>
+          <p:nvPr>
+            <p:ph type="sldNum" sz="quarter" idx="12"/>
+          </p:nvPr>
+        </p:nvSpPr>
+        <p:spPr/>
+        <p:txBody>
+          <a:bodyPr/>
+          <a:lstStyle/>
+          <a:p>
+            <a:fld id="{6BE057CB-9EC3-4CA1-805D-2D0EB6FF12F6}" type="slidenum">
+              <a:rPr lang="fr-NC" smtClean="0"/>
+              <a:t>7</a:t>
+            </a:fld>
+            <a:endParaRPr lang="fr-NC"/>
+          </a:p>
+        </p:txBody>
+      </p:sp>
     </p:spTree>
     <p:extLst>
       <p:ext uri="{BB962C8B-B14F-4D97-AF65-F5344CB8AC3E}">
         <p14:creationId xmlns:p14="http://schemas.microsoft.com/office/powerpoint/2010/main" val="3541143707"/>
-      </p:ext>
-    </p:extLst>
-  </p:cSld>
-  <p:clrMapOvr>
-    <a:masterClrMapping/>
-  </p:clrMapOvr>
-</p:sld>
-</file>
-
-<file path=ppt/slides/slide6.xml><?xml version="1.0" encoding="utf-8"?>
-<p:sld xmlns:a="http://schemas.openxmlformats.org/drawingml/2006/main" xmlns:r="http://schemas.openxmlformats.org/officeDocument/2006/relationships" xmlns:p="http://schemas.openxmlformats.org/presentationml/2006/main">
-  <p:cSld>
-    <p:spTree>
-      <p:nvGrpSpPr>
-        <p:cNvPr id="1" name=""/>
-        <p:cNvGrpSpPr/>
-        <p:nvPr/>
-      </p:nvGrpSpPr>
-      <p:grpSpPr>
-        <a:xfrm>
-          <a:off x="0" y="0"/>
-          <a:ext cx="0" cy="0"/>
-          <a:chOff x="0" y="0"/>
-          <a:chExt cx="0" cy="0"/>
-        </a:xfrm>
-      </p:grpSpPr>
-      <p:sp>
-        <p:nvSpPr>
-          <p:cNvPr id="2" name="Titre 1">
-            <a:extLst>
-              <a:ext uri="{FF2B5EF4-FFF2-40B4-BE49-F238E27FC236}">
-                <a16:creationId xmlns:a16="http://schemas.microsoft.com/office/drawing/2014/main" id="{48BEB02A-0CFC-14D4-D975-BED8E2B1B562}"/>
-              </a:ext>
-            </a:extLst>
-          </p:cNvPr>
-          <p:cNvSpPr>
-            <a:spLocks noGrp="1"/>
-          </p:cNvSpPr>
-          <p:nvPr>
-            <p:ph type="title"/>
-          </p:nvPr>
-        </p:nvSpPr>
-        <p:spPr/>
-        <p:txBody>
-          <a:bodyPr/>
-          <a:lstStyle/>
-          <a:p>
-            <a:r>
-              <a:rPr lang="fr-FR" dirty="0"/>
-              <a:t>Exécution</a:t>
-            </a:r>
-            <a:endParaRPr lang="fr-NC" dirty="0"/>
-          </a:p>
-        </p:txBody>
-      </p:sp>
-      <p:pic>
-        <p:nvPicPr>
-          <p:cNvPr id="4" name="Espace réservé du contenu 3">
-            <a:extLst>
-              <a:ext uri="{FF2B5EF4-FFF2-40B4-BE49-F238E27FC236}">
-                <a16:creationId xmlns:a16="http://schemas.microsoft.com/office/drawing/2014/main" id="{F05ED356-7C12-E4B2-34EE-DA88B4D05971}"/>
-              </a:ext>
-            </a:extLst>
-          </p:cNvPr>
-          <p:cNvPicPr>
-            <a:picLocks noGrp="1" noChangeAspect="1"/>
-          </p:cNvPicPr>
-          <p:nvPr>
-            <p:ph idx="1"/>
-          </p:nvPr>
-        </p:nvPicPr>
-        <p:blipFill>
-          <a:blip r:embed="rId2"/>
-          <a:stretch>
-            <a:fillRect/>
-          </a:stretch>
-        </p:blipFill>
-        <p:spPr>
-          <a:xfrm>
-            <a:off x="2428792" y="1275981"/>
-            <a:ext cx="7334416" cy="4912784"/>
-          </a:xfrm>
-          <a:prstGeom prst="rect">
-            <a:avLst/>
-          </a:prstGeom>
-        </p:spPr>
-      </p:pic>
-    </p:spTree>
-    <p:extLst>
-      <p:ext uri="{BB962C8B-B14F-4D97-AF65-F5344CB8AC3E}">
-        <p14:creationId xmlns:p14="http://schemas.microsoft.com/office/powerpoint/2010/main" val="2823304637"/>
-      </p:ext>
-    </p:extLst>
-  </p:cSld>
-  <p:clrMapOvr>
-    <a:masterClrMapping/>
-  </p:clrMapOvr>
-</p:sld>
-</file>
-
-<file path=ppt/slides/slide7.xml><?xml version="1.0" encoding="utf-8"?>
-<p:sld xmlns:a="http://schemas.openxmlformats.org/drawingml/2006/main" xmlns:r="http://schemas.openxmlformats.org/officeDocument/2006/relationships" xmlns:p="http://schemas.openxmlformats.org/presentationml/2006/main">
-  <p:cSld>
-    <p:spTree>
-      <p:nvGrpSpPr>
-        <p:cNvPr id="1" name=""/>
-        <p:cNvGrpSpPr/>
-        <p:nvPr/>
-      </p:nvGrpSpPr>
-      <p:grpSpPr>
-        <a:xfrm>
-          <a:off x="0" y="0"/>
-          <a:ext cx="0" cy="0"/>
-          <a:chOff x="0" y="0"/>
-          <a:chExt cx="0" cy="0"/>
-        </a:xfrm>
-      </p:grpSpPr>
-      <p:sp>
-        <p:nvSpPr>
-          <p:cNvPr id="2" name="Titre 1">
-            <a:extLst>
-              <a:ext uri="{FF2B5EF4-FFF2-40B4-BE49-F238E27FC236}">
-                <a16:creationId xmlns:a16="http://schemas.microsoft.com/office/drawing/2014/main" id="{6A20F6DD-23BA-06DD-E286-0B3A5A9B5696}"/>
-              </a:ext>
-            </a:extLst>
-          </p:cNvPr>
-          <p:cNvSpPr>
-            <a:spLocks noGrp="1"/>
-          </p:cNvSpPr>
-          <p:nvPr>
-            <p:ph type="title"/>
-          </p:nvPr>
-        </p:nvSpPr>
-        <p:spPr/>
-        <p:txBody>
-          <a:bodyPr/>
-          <a:lstStyle/>
-          <a:p>
-            <a:r>
-              <a:rPr lang="fr-FR" dirty="0"/>
-              <a:t>Positifs / Négatifs</a:t>
-            </a:r>
-            <a:endParaRPr lang="fr-NC" dirty="0"/>
-          </a:p>
-        </p:txBody>
-      </p:sp>
-      <p:sp>
-        <p:nvSpPr>
-          <p:cNvPr id="3" name="Espace réservé du contenu 2">
-            <a:extLst>
-              <a:ext uri="{FF2B5EF4-FFF2-40B4-BE49-F238E27FC236}">
-                <a16:creationId xmlns:a16="http://schemas.microsoft.com/office/drawing/2014/main" id="{51F835BF-4BDF-3EC8-6D4C-D360E2764423}"/>
-              </a:ext>
-            </a:extLst>
-          </p:cNvPr>
-          <p:cNvSpPr>
-            <a:spLocks noGrp="1"/>
-          </p:cNvSpPr>
-          <p:nvPr>
-            <p:ph idx="1"/>
-          </p:nvPr>
-        </p:nvSpPr>
-        <p:spPr/>
-        <p:txBody>
-          <a:bodyPr/>
-          <a:lstStyle/>
-          <a:p>
-            <a:r>
-              <a:rPr lang="fr-FR" u="sng" dirty="0"/>
-              <a:t>Positifs :</a:t>
-            </a:r>
-          </a:p>
-          <a:p>
-            <a:pPr lvl="1"/>
-            <a:r>
-              <a:rPr lang="fr-FR" dirty="0"/>
-              <a:t>Simplicité du code</a:t>
-            </a:r>
-          </a:p>
-          <a:p>
-            <a:pPr lvl="1"/>
-            <a:r>
-              <a:rPr lang="fr-FR" dirty="0"/>
-              <a:t>Pas de duplication</a:t>
-            </a:r>
-          </a:p>
-          <a:p>
-            <a:r>
-              <a:rPr lang="fr-FR" u="sng" dirty="0"/>
-              <a:t>Négatifs :</a:t>
-            </a:r>
-          </a:p>
-          <a:p>
-            <a:pPr lvl="1"/>
-            <a:r>
-              <a:rPr lang="fr-FR" dirty="0"/>
-              <a:t>+ de fichiers</a:t>
-            </a:r>
-          </a:p>
-          <a:p>
-            <a:pPr lvl="1"/>
-            <a:endParaRPr lang="fr-FR" dirty="0"/>
-          </a:p>
-          <a:p>
-            <a:endParaRPr lang="fr-FR" dirty="0"/>
-          </a:p>
-          <a:p>
-            <a:pPr lvl="1"/>
-            <a:endParaRPr lang="fr-FR" dirty="0"/>
-          </a:p>
-        </p:txBody>
-      </p:sp>
-    </p:spTree>
-    <p:extLst>
-      <p:ext uri="{BB962C8B-B14F-4D97-AF65-F5344CB8AC3E}">
-        <p14:creationId xmlns:p14="http://schemas.microsoft.com/office/powerpoint/2010/main" val="4165329565"/>
       </p:ext>
     </p:extLst>
   </p:cSld>
@@ -6840,7 +8286,7 @@
           <p:cNvPr id="2" name="Titre 1">
             <a:extLst>
               <a:ext uri="{FF2B5EF4-FFF2-40B4-BE49-F238E27FC236}">
-                <a16:creationId xmlns:a16="http://schemas.microsoft.com/office/drawing/2014/main" id="{B99030D0-A7D8-CCB7-554B-40F1D1AA3511}"/>
+                <a16:creationId xmlns:a16="http://schemas.microsoft.com/office/drawing/2014/main" id="{48BEB02A-0CFC-14D4-D975-BED8E2B1B562}"/>
               </a:ext>
             </a:extLst>
           </p:cNvPr>
@@ -6858,53 +8304,77 @@
           <a:p>
             <a:r>
               <a:rPr lang="fr-FR" dirty="0"/>
-              <a:t>CONCLUSION PATTERNS</a:t>
+              <a:t>Exécution</a:t>
             </a:r>
             <a:endParaRPr lang="fr-NC" dirty="0"/>
           </a:p>
         </p:txBody>
       </p:sp>
-      <p:sp>
-        <p:nvSpPr>
-          <p:cNvPr id="3" name="Espace réservé du contenu 2">
+      <p:pic>
+        <p:nvPicPr>
+          <p:cNvPr id="4" name="Espace réservé du contenu 3">
             <a:extLst>
               <a:ext uri="{FF2B5EF4-FFF2-40B4-BE49-F238E27FC236}">
-                <a16:creationId xmlns:a16="http://schemas.microsoft.com/office/drawing/2014/main" id="{537DE1DF-7941-5E1B-DFBC-5EAA55D5C9AB}"/>
+                <a16:creationId xmlns:a16="http://schemas.microsoft.com/office/drawing/2014/main" id="{F05ED356-7C12-E4B2-34EE-DA88B4D05971}"/>
               </a:ext>
             </a:extLst>
           </p:cNvPr>
-          <p:cNvSpPr>
-            <a:spLocks noGrp="1"/>
-          </p:cNvSpPr>
+          <p:cNvPicPr>
+            <a:picLocks noGrp="1" noChangeAspect="1"/>
+          </p:cNvPicPr>
           <p:nvPr>
             <p:ph idx="1"/>
           </p:nvPr>
+        </p:nvPicPr>
+        <p:blipFill>
+          <a:blip r:embed="rId2"/>
+          <a:stretch>
+            <a:fillRect/>
+          </a:stretch>
+        </p:blipFill>
+        <p:spPr>
+          <a:xfrm>
+            <a:off x="2428792" y="1275981"/>
+            <a:ext cx="7334416" cy="4912784"/>
+          </a:xfrm>
+          <a:prstGeom prst="rect">
+            <a:avLst/>
+          </a:prstGeom>
+        </p:spPr>
+      </p:pic>
+      <p:sp>
+        <p:nvSpPr>
+          <p:cNvPr id="3" name="Espace réservé du numéro de diapositive 2">
+            <a:extLst>
+              <a:ext uri="{FF2B5EF4-FFF2-40B4-BE49-F238E27FC236}">
+                <a16:creationId xmlns:a16="http://schemas.microsoft.com/office/drawing/2014/main" id="{12793DBD-850F-FBC5-A93B-F666032862F4}"/>
+              </a:ext>
+            </a:extLst>
+          </p:cNvPr>
+          <p:cNvSpPr>
+            <a:spLocks noGrp="1"/>
+          </p:cNvSpPr>
+          <p:nvPr>
+            <p:ph type="sldNum" sz="quarter" idx="12"/>
+          </p:nvPr>
         </p:nvSpPr>
         <p:spPr/>
         <p:txBody>
           <a:bodyPr/>
           <a:lstStyle/>
           <a:p>
-            <a:r>
-              <a:rPr lang="fr-FR" dirty="0"/>
-              <a:t>Grâce aux patterns, le code est + lisible et + facilement maintenable/améliorable.</a:t>
-            </a:r>
-          </a:p>
-          <a:p>
-            <a:r>
-              <a:rPr lang="fr-FR" dirty="0"/>
-              <a:t>Avec ces patterns, les possibilités d’ajouter des affichages ou des états de commandes différents deviennent illimitées.</a:t>
-            </a:r>
-          </a:p>
-          <a:p>
-            <a:endParaRPr lang="fr-NC" dirty="0"/>
+            <a:fld id="{6BE057CB-9EC3-4CA1-805D-2D0EB6FF12F6}" type="slidenum">
+              <a:rPr lang="fr-NC" smtClean="0"/>
+              <a:t>8</a:t>
+            </a:fld>
+            <a:endParaRPr lang="fr-NC"/>
           </a:p>
         </p:txBody>
       </p:sp>
     </p:spTree>
     <p:extLst>
       <p:ext uri="{BB962C8B-B14F-4D97-AF65-F5344CB8AC3E}">
-        <p14:creationId xmlns:p14="http://schemas.microsoft.com/office/powerpoint/2010/main" val="3041941616"/>
+        <p14:creationId xmlns:p14="http://schemas.microsoft.com/office/powerpoint/2010/main" val="2823304637"/>
       </p:ext>
     </p:extLst>
   </p:cSld>
@@ -6936,7 +8406,7 @@
           <p:cNvPr id="2" name="Titre 1">
             <a:extLst>
               <a:ext uri="{FF2B5EF4-FFF2-40B4-BE49-F238E27FC236}">
-                <a16:creationId xmlns:a16="http://schemas.microsoft.com/office/drawing/2014/main" id="{004CF4BE-D2CD-FC91-E010-DDD7AD257FFC}"/>
+                <a16:creationId xmlns:a16="http://schemas.microsoft.com/office/drawing/2014/main" id="{6A20F6DD-23BA-06DD-E286-0B3A5A9B5696}"/>
               </a:ext>
             </a:extLst>
           </p:cNvPr>
@@ -6954,7 +8424,7 @@
           <a:p>
             <a:r>
               <a:rPr lang="fr-FR" dirty="0"/>
-              <a:t>CONCLUSION SEMESTRE</a:t>
+              <a:t>Pattern Strategy</a:t>
             </a:r>
             <a:endParaRPr lang="fr-NC" dirty="0"/>
           </a:p>
@@ -6962,10 +8432,10 @@
       </p:sp>
       <p:sp>
         <p:nvSpPr>
-          <p:cNvPr id="3" name="Espace réservé du contenu 2">
+          <p:cNvPr id="5" name="Espace réservé du numéro de diapositive 4">
             <a:extLst>
               <a:ext uri="{FF2B5EF4-FFF2-40B4-BE49-F238E27FC236}">
-                <a16:creationId xmlns:a16="http://schemas.microsoft.com/office/drawing/2014/main" id="{A26B3CAE-2AE0-C225-9F78-F5DEE52F4522}"/>
+                <a16:creationId xmlns:a16="http://schemas.microsoft.com/office/drawing/2014/main" id="{51125087-239B-2D0D-F285-22A177A20934}"/>
               </a:ext>
             </a:extLst>
           </p:cNvPr>
@@ -6973,34 +8443,154 @@
             <a:spLocks noGrp="1"/>
           </p:cNvSpPr>
           <p:nvPr>
+            <p:ph type="sldNum" sz="quarter" idx="12"/>
+          </p:nvPr>
+        </p:nvSpPr>
+        <p:spPr/>
+        <p:txBody>
+          <a:bodyPr/>
+          <a:lstStyle/>
+          <a:p>
+            <a:fld id="{6BE057CB-9EC3-4CA1-805D-2D0EB6FF12F6}" type="slidenum">
+              <a:rPr lang="fr-NC" smtClean="0"/>
+              <a:t>9</a:t>
+            </a:fld>
+            <a:endParaRPr lang="fr-NC"/>
+          </a:p>
+        </p:txBody>
+      </p:sp>
+      <p:graphicFrame>
+        <p:nvGraphicFramePr>
+          <p:cNvPr id="8" name="Tableau 8">
+            <a:extLst>
+              <a:ext uri="{FF2B5EF4-FFF2-40B4-BE49-F238E27FC236}">
+                <a16:creationId xmlns:a16="http://schemas.microsoft.com/office/drawing/2014/main" id="{DF69EB88-7873-9BD8-F54B-DF09780535A1}"/>
+              </a:ext>
+            </a:extLst>
+          </p:cNvPr>
+          <p:cNvGraphicFramePr>
+            <a:graphicFrameLocks noGrp="1"/>
+          </p:cNvGraphicFramePr>
+          <p:nvPr>
             <p:ph idx="1"/>
-          </p:nvPr>
-        </p:nvSpPr>
-        <p:spPr/>
-        <p:txBody>
-          <a:bodyPr/>
-          <a:lstStyle/>
-          <a:p>
-            <a:r>
-              <a:rPr lang="fr-FR" dirty="0"/>
-              <a:t>On a vu de nouvelles façons de coder à travers les designs patterns, nous permettant d’éviter de faire des algorithmes trop longs et trop complexes. Malgré le nombre de fichiers en plus à créer, les designs patterns nous permettent de mieux nous y retrouver et ainsi coder plus vite, et parfois </a:t>
-            </a:r>
-            <a:r>
-              <a:rPr lang="fr-FR"/>
-              <a:t>même augmentent les </a:t>
-            </a:r>
-            <a:r>
-              <a:rPr lang="fr-FR" dirty="0"/>
-              <a:t>performances des programmes.</a:t>
-            </a:r>
-            <a:endParaRPr lang="fr-NC" dirty="0"/>
-          </a:p>
-        </p:txBody>
-      </p:sp>
+            <p:extLst>
+              <p:ext uri="{D42A27DB-BD31-4B8C-83A1-F6EECF244321}">
+                <p14:modId xmlns:p14="http://schemas.microsoft.com/office/powerpoint/2010/main" val="292190881"/>
+              </p:ext>
+            </p:extLst>
+          </p:nvPr>
+        </p:nvGraphicFramePr>
+        <p:xfrm>
+          <a:off x="1103313" y="2052638"/>
+          <a:ext cx="8947150" cy="1285240"/>
+        </p:xfrm>
+        <a:graphic>
+          <a:graphicData uri="http://schemas.openxmlformats.org/drawingml/2006/table">
+            <a:tbl>
+              <a:tblPr firstRow="1" bandRow="1">
+                <a:tableStyleId>{5C22544A-7EE6-4342-B048-85BDC9FD1C3A}</a:tableStyleId>
+              </a:tblPr>
+              <a:tblGrid>
+                <a:gridCol w="4473575">
+                  <a:extLst>
+                    <a:ext uri="{9D8B030D-6E8A-4147-A177-3AD203B41FA5}">
+                      <a16:colId xmlns:a16="http://schemas.microsoft.com/office/drawing/2014/main" val="549850597"/>
+                    </a:ext>
+                  </a:extLst>
+                </a:gridCol>
+                <a:gridCol w="4473575">
+                  <a:extLst>
+                    <a:ext uri="{9D8B030D-6E8A-4147-A177-3AD203B41FA5}">
+                      <a16:colId xmlns:a16="http://schemas.microsoft.com/office/drawing/2014/main" val="2822659848"/>
+                    </a:ext>
+                  </a:extLst>
+                </a:gridCol>
+              </a:tblGrid>
+              <a:tr h="370840">
+                <a:tc>
+                  <a:txBody>
+                    <a:bodyPr/>
+                    <a:lstStyle/>
+                    <a:p>
+                      <a:r>
+                        <a:rPr lang="fr-FR" dirty="0"/>
+                        <a:t>Avantages</a:t>
+                      </a:r>
+                    </a:p>
+                  </a:txBody>
+                  <a:tcPr/>
+                </a:tc>
+                <a:tc>
+                  <a:txBody>
+                    <a:bodyPr/>
+                    <a:lstStyle/>
+                    <a:p>
+                      <a:r>
+                        <a:rPr lang="fr-FR" dirty="0"/>
+                        <a:t>Inconvénients</a:t>
+                      </a:r>
+                    </a:p>
+                  </a:txBody>
+                  <a:tcPr/>
+                </a:tc>
+                <a:extLst>
+                  <a:ext uri="{0D108BD9-81ED-4DB2-BD59-A6C34878D82A}">
+                    <a16:rowId xmlns:a16="http://schemas.microsoft.com/office/drawing/2014/main" val="2524267348"/>
+                  </a:ext>
+                </a:extLst>
+              </a:tr>
+              <a:tr h="370840">
+                <a:tc>
+                  <a:txBody>
+                    <a:bodyPr/>
+                    <a:lstStyle/>
+                    <a:p>
+                      <a:pPr marL="285750" indent="-285750">
+                        <a:buFontTx/>
+                        <a:buChar char="-"/>
+                      </a:pPr>
+                      <a:r>
+                        <a:rPr lang="fr-FR" dirty="0"/>
+                        <a:t>Ajout d’affichage différents sans modification des fichiers existant</a:t>
+                      </a:r>
+                    </a:p>
+                    <a:p>
+                      <a:pPr marL="285750" indent="-285750">
+                        <a:buFontTx/>
+                        <a:buChar char="-"/>
+                      </a:pPr>
+                      <a:endParaRPr lang="fr-FR" dirty="0"/>
+                    </a:p>
+                  </a:txBody>
+                  <a:tcPr/>
+                </a:tc>
+                <a:tc>
+                  <a:txBody>
+                    <a:bodyPr/>
+                    <a:lstStyle/>
+                    <a:p>
+                      <a:r>
+                        <a:rPr lang="fr-FR" dirty="0"/>
+                        <a:t>- Le code peut</a:t>
+                      </a:r>
+                    </a:p>
+                  </a:txBody>
+                  <a:tcPr/>
+                </a:tc>
+                <a:extLst>
+                  <a:ext uri="{0D108BD9-81ED-4DB2-BD59-A6C34878D82A}">
+                    <a16:rowId xmlns:a16="http://schemas.microsoft.com/office/drawing/2014/main" val="3295317817"/>
+                  </a:ext>
+                </a:extLst>
+              </a:tr>
+            </a:tbl>
+          </a:graphicData>
+        </a:graphic>
+      </p:graphicFrame>
     </p:spTree>
     <p:extLst>
       <p:ext uri="{BB962C8B-B14F-4D97-AF65-F5344CB8AC3E}">
-        <p14:creationId xmlns:p14="http://schemas.microsoft.com/office/powerpoint/2010/main" val="2731208726"/>
+        <p14:creationId xmlns:p14="http://schemas.microsoft.com/office/powerpoint/2010/main" val="4165329565"/>
       </p:ext>
     </p:extLst>
   </p:cSld>
@@ -7274,4 +8864,299 @@
     </a:ext>
   </a:extLst>
 </a:theme>
+</file>
+
+<file path=ppt/theme/theme2.xml><?xml version="1.0" encoding="utf-8"?>
+<a:theme xmlns:a="http://schemas.openxmlformats.org/drawingml/2006/main" name="Thème Office">
+  <a:themeElements>
+    <a:clrScheme name="Office">
+      <a:dk1>
+        <a:sysClr val="windowText" lastClr="000000"/>
+      </a:dk1>
+      <a:lt1>
+        <a:sysClr val="window" lastClr="FFFFFF"/>
+      </a:lt1>
+      <a:dk2>
+        <a:srgbClr val="44546A"/>
+      </a:dk2>
+      <a:lt2>
+        <a:srgbClr val="E7E6E6"/>
+      </a:lt2>
+      <a:accent1>
+        <a:srgbClr val="4472C4"/>
+      </a:accent1>
+      <a:accent2>
+        <a:srgbClr val="ED7D31"/>
+      </a:accent2>
+      <a:accent3>
+        <a:srgbClr val="A5A5A5"/>
+      </a:accent3>
+      <a:accent4>
+        <a:srgbClr val="FFC000"/>
+      </a:accent4>
+      <a:accent5>
+        <a:srgbClr val="5B9BD5"/>
+      </a:accent5>
+      <a:accent6>
+        <a:srgbClr val="70AD47"/>
+      </a:accent6>
+      <a:hlink>
+        <a:srgbClr val="0563C1"/>
+      </a:hlink>
+      <a:folHlink>
+        <a:srgbClr val="954F72"/>
+      </a:folHlink>
+    </a:clrScheme>
+    <a:fontScheme name="Office">
+      <a:majorFont>
+        <a:latin typeface="Calibri Light" panose="020F0302020204030204"/>
+        <a:ea typeface=""/>
+        <a:cs typeface=""/>
+        <a:font script="Jpan" typeface="游ゴシック Light"/>
+        <a:font script="Hang" typeface="맑은 고딕"/>
+        <a:font script="Hans" typeface="等线 Light"/>
+        <a:font script="Hant" typeface="新細明體"/>
+        <a:font script="Arab" typeface="Times New Roman"/>
+        <a:font script="Hebr" typeface="Times New Roman"/>
+        <a:font script="Thai" typeface="Angsana New"/>
+        <a:font script="Ethi" typeface="Nyala"/>
+        <a:font script="Beng" typeface="Vrinda"/>
+        <a:font script="Gujr" typeface="Shruti"/>
+        <a:font script="Khmr" typeface="MoolBoran"/>
+        <a:font script="Knda" typeface="Tunga"/>
+        <a:font script="Guru" typeface="Raavi"/>
+        <a:font script="Cans" typeface="Euphemia"/>
+        <a:font script="Cher" typeface="Plantagenet Cherokee"/>
+        <a:font script="Yiii" typeface="Microsoft Yi Baiti"/>
+        <a:font script="Tibt" typeface="Microsoft Himalaya"/>
+        <a:font script="Thaa" typeface="MV Boli"/>
+        <a:font script="Deva" typeface="Mangal"/>
+        <a:font script="Telu" typeface="Gautami"/>
+        <a:font script="Taml" typeface="Latha"/>
+        <a:font script="Syrc" typeface="Estrangelo Edessa"/>
+        <a:font script="Orya" typeface="Kalinga"/>
+        <a:font script="Mlym" typeface="Kartika"/>
+        <a:font script="Laoo" typeface="DokChampa"/>
+        <a:font script="Sinh" typeface="Iskoola Pota"/>
+        <a:font script="Mong" typeface="Mongolian Baiti"/>
+        <a:font script="Viet" typeface="Times New Roman"/>
+        <a:font script="Uigh" typeface="Microsoft Uighur"/>
+        <a:font script="Geor" typeface="Sylfaen"/>
+        <a:font script="Armn" typeface="Arial"/>
+        <a:font script="Bugi" typeface="Leelawadee UI"/>
+        <a:font script="Bopo" typeface="Microsoft JhengHei"/>
+        <a:font script="Java" typeface="Javanese Text"/>
+        <a:font script="Lisu" typeface="Segoe UI"/>
+        <a:font script="Mymr" typeface="Myanmar Text"/>
+        <a:font script="Nkoo" typeface="Ebrima"/>
+        <a:font script="Olck" typeface="Nirmala UI"/>
+        <a:font script="Osma" typeface="Ebrima"/>
+        <a:font script="Phag" typeface="Phagspa"/>
+        <a:font script="Syrn" typeface="Estrangelo Edessa"/>
+        <a:font script="Syrj" typeface="Estrangelo Edessa"/>
+        <a:font script="Syre" typeface="Estrangelo Edessa"/>
+        <a:font script="Sora" typeface="Nirmala UI"/>
+        <a:font script="Tale" typeface="Microsoft Tai Le"/>
+        <a:font script="Talu" typeface="Microsoft New Tai Lue"/>
+        <a:font script="Tfng" typeface="Ebrima"/>
+      </a:majorFont>
+      <a:minorFont>
+        <a:latin typeface="Calibri" panose="020F0502020204030204"/>
+        <a:ea typeface=""/>
+        <a:cs typeface=""/>
+        <a:font script="Jpan" typeface="游ゴシック"/>
+        <a:font script="Hang" typeface="맑은 고딕"/>
+        <a:font script="Hans" typeface="等线"/>
+        <a:font script="Hant" typeface="新細明體"/>
+        <a:font script="Arab" typeface="Arial"/>
+        <a:font script="Hebr" typeface="Arial"/>
+        <a:font script="Thai" typeface="Cordia New"/>
+        <a:font script="Ethi" typeface="Nyala"/>
+        <a:font script="Beng" typeface="Vrinda"/>
+        <a:font script="Gujr" typeface="Shruti"/>
+        <a:font script="Khmr" typeface="DaunPenh"/>
+        <a:font script="Knda" typeface="Tunga"/>
+        <a:font script="Guru" typeface="Raavi"/>
+        <a:font script="Cans" typeface="Euphemia"/>
+        <a:font script="Cher" typeface="Plantagenet Cherokee"/>
+        <a:font script="Yiii" typeface="Microsoft Yi Baiti"/>
+        <a:font script="Tibt" typeface="Microsoft Himalaya"/>
+        <a:font script="Thaa" typeface="MV Boli"/>
+        <a:font script="Deva" typeface="Mangal"/>
+        <a:font script="Telu" typeface="Gautami"/>
+        <a:font script="Taml" typeface="Latha"/>
+        <a:font script="Syrc" typeface="Estrangelo Edessa"/>
+        <a:font script="Orya" typeface="Kalinga"/>
+        <a:font script="Mlym" typeface="Kartika"/>
+        <a:font script="Laoo" typeface="DokChampa"/>
+        <a:font script="Sinh" typeface="Iskoola Pota"/>
+        <a:font script="Mong" typeface="Mongolian Baiti"/>
+        <a:font script="Viet" typeface="Arial"/>
+        <a:font script="Uigh" typeface="Microsoft Uighur"/>
+        <a:font script="Geor" typeface="Sylfaen"/>
+        <a:font script="Armn" typeface="Arial"/>
+        <a:font script="Bugi" typeface="Leelawadee UI"/>
+        <a:font script="Bopo" typeface="Microsoft JhengHei"/>
+        <a:font script="Java" typeface="Javanese Text"/>
+        <a:font script="Lisu" typeface="Segoe UI"/>
+        <a:font script="Mymr" typeface="Myanmar Text"/>
+        <a:font script="Nkoo" typeface="Ebrima"/>
+        <a:font script="Olck" typeface="Nirmala UI"/>
+        <a:font script="Osma" typeface="Ebrima"/>
+        <a:font script="Phag" typeface="Phagspa"/>
+        <a:font script="Syrn" typeface="Estrangelo Edessa"/>
+        <a:font script="Syrj" typeface="Estrangelo Edessa"/>
+        <a:font script="Syre" typeface="Estrangelo Edessa"/>
+        <a:font script="Sora" typeface="Nirmala UI"/>
+        <a:font script="Tale" typeface="Microsoft Tai Le"/>
+        <a:font script="Talu" typeface="Microsoft New Tai Lue"/>
+        <a:font script="Tfng" typeface="Ebrima"/>
+      </a:minorFont>
+    </a:fontScheme>
+    <a:fmtScheme name="Office">
+      <a:fillStyleLst>
+        <a:solidFill>
+          <a:schemeClr val="phClr"/>
+        </a:solidFill>
+        <a:gradFill rotWithShape="1">
+          <a:gsLst>
+            <a:gs pos="0">
+              <a:schemeClr val="phClr">
+                <a:lumMod val="110000"/>
+                <a:satMod val="105000"/>
+                <a:tint val="67000"/>
+              </a:schemeClr>
+            </a:gs>
+            <a:gs pos="50000">
+              <a:schemeClr val="phClr">
+                <a:lumMod val="105000"/>
+                <a:satMod val="103000"/>
+                <a:tint val="73000"/>
+              </a:schemeClr>
+            </a:gs>
+            <a:gs pos="100000">
+              <a:schemeClr val="phClr">
+                <a:lumMod val="105000"/>
+                <a:satMod val="109000"/>
+                <a:tint val="81000"/>
+              </a:schemeClr>
+            </a:gs>
+          </a:gsLst>
+          <a:lin ang="5400000" scaled="0"/>
+        </a:gradFill>
+        <a:gradFill rotWithShape="1">
+          <a:gsLst>
+            <a:gs pos="0">
+              <a:schemeClr val="phClr">
+                <a:satMod val="103000"/>
+                <a:lumMod val="102000"/>
+                <a:tint val="94000"/>
+              </a:schemeClr>
+            </a:gs>
+            <a:gs pos="50000">
+              <a:schemeClr val="phClr">
+                <a:satMod val="110000"/>
+                <a:lumMod val="100000"/>
+                <a:shade val="100000"/>
+              </a:schemeClr>
+            </a:gs>
+            <a:gs pos="100000">
+              <a:schemeClr val="phClr">
+                <a:lumMod val="99000"/>
+                <a:satMod val="120000"/>
+                <a:shade val="78000"/>
+              </a:schemeClr>
+            </a:gs>
+          </a:gsLst>
+          <a:lin ang="5400000" scaled="0"/>
+        </a:gradFill>
+      </a:fillStyleLst>
+      <a:lnStyleLst>
+        <a:ln w="6350" cap="flat" cmpd="sng" algn="ctr">
+          <a:solidFill>
+            <a:schemeClr val="phClr"/>
+          </a:solidFill>
+          <a:prstDash val="solid"/>
+          <a:miter lim="800000"/>
+        </a:ln>
+        <a:ln w="12700" cap="flat" cmpd="sng" algn="ctr">
+          <a:solidFill>
+            <a:schemeClr val="phClr"/>
+          </a:solidFill>
+          <a:prstDash val="solid"/>
+          <a:miter lim="800000"/>
+        </a:ln>
+        <a:ln w="19050" cap="flat" cmpd="sng" algn="ctr">
+          <a:solidFill>
+            <a:schemeClr val="phClr"/>
+          </a:solidFill>
+          <a:prstDash val="solid"/>
+          <a:miter lim="800000"/>
+        </a:ln>
+      </a:lnStyleLst>
+      <a:effectStyleLst>
+        <a:effectStyle>
+          <a:effectLst/>
+        </a:effectStyle>
+        <a:effectStyle>
+          <a:effectLst/>
+        </a:effectStyle>
+        <a:effectStyle>
+          <a:effectLst>
+            <a:outerShdw blurRad="57150" dist="19050" dir="5400000" algn="ctr" rotWithShape="0">
+              <a:srgbClr val="000000">
+                <a:alpha val="63000"/>
+              </a:srgbClr>
+            </a:outerShdw>
+          </a:effectLst>
+        </a:effectStyle>
+      </a:effectStyleLst>
+      <a:bgFillStyleLst>
+        <a:solidFill>
+          <a:schemeClr val="phClr"/>
+        </a:solidFill>
+        <a:solidFill>
+          <a:schemeClr val="phClr">
+            <a:tint val="95000"/>
+            <a:satMod val="170000"/>
+          </a:schemeClr>
+        </a:solidFill>
+        <a:gradFill rotWithShape="1">
+          <a:gsLst>
+            <a:gs pos="0">
+              <a:schemeClr val="phClr">
+                <a:tint val="93000"/>
+                <a:satMod val="150000"/>
+                <a:shade val="98000"/>
+                <a:lumMod val="102000"/>
+              </a:schemeClr>
+            </a:gs>
+            <a:gs pos="50000">
+              <a:schemeClr val="phClr">
+                <a:tint val="98000"/>
+                <a:satMod val="130000"/>
+                <a:shade val="90000"/>
+                <a:lumMod val="103000"/>
+              </a:schemeClr>
+            </a:gs>
+            <a:gs pos="100000">
+              <a:schemeClr val="phClr">
+                <a:shade val="63000"/>
+                <a:satMod val="120000"/>
+              </a:schemeClr>
+            </a:gs>
+          </a:gsLst>
+          <a:lin ang="5400000" scaled="0"/>
+        </a:gradFill>
+      </a:bgFillStyleLst>
+    </a:fmtScheme>
+  </a:themeElements>
+  <a:objectDefaults/>
+  <a:extraClrSchemeLst/>
+  <a:extLst>
+    <a:ext uri="{05A4C25C-085E-4340-85A3-A5531E510DB2}">
+      <thm15:themeFamily xmlns:thm15="http://schemas.microsoft.com/office/thememl/2012/main" name="Office Theme" id="{62F939B6-93AF-4DB8-9C6B-D6C7DFDC589F}" vid="{4A3C46E8-61CC-4603-A589-7422A47A8E4A}"/>
+    </a:ext>
+  </a:extLst>
+</a:theme>
 </file>